--- a/uv/web-scraping-y-las-bases-de-datos-ofuscadas/Web Scraping y las Bases de Datos Ofuscadas.pptx
+++ b/uv/web-scraping-y-las-bases-de-datos-ofuscadas/Web Scraping y las Bases de Datos Ofuscadas.pptx
@@ -75,6 +75,7 @@
     <p:sldId id="306" r:id="rId69"/>
     <p:sldId id="307" r:id="rId70"/>
     <p:sldId id="266" r:id="rId71"/>
+    <p:sldId id="327" r:id="rId72"/>
   </p:sldIdLst>
   <p:sldSz cx="12192000" cy="6858000"/>
   <p:notesSz cx="6858000" cy="9144000"/>
@@ -181,6 +182,2490 @@
 </p:presentation>
 </file>
 
+<file path=ppt/diagrams/colors1.xml><?xml version="1.0" encoding="utf-8"?>
+<dgm:colorsDef xmlns:dgm="http://schemas.openxmlformats.org/drawingml/2006/diagram" xmlns:a="http://schemas.openxmlformats.org/drawingml/2006/main" uniqueId="urn:microsoft.com/office/officeart/2005/8/colors/accent2_1">
+  <dgm:title val=""/>
+  <dgm:desc val=""/>
+  <dgm:catLst>
+    <dgm:cat type="accent2" pri="11100"/>
+  </dgm:catLst>
+  <dgm:styleLbl name="node0">
+    <dgm:fillClrLst meth="repeat">
+      <a:schemeClr val="lt1"/>
+    </dgm:fillClrLst>
+    <dgm:linClrLst meth="repeat">
+      <a:schemeClr val="accent2">
+        <a:shade val="80000"/>
+      </a:schemeClr>
+    </dgm:linClrLst>
+    <dgm:effectClrLst/>
+    <dgm:txLinClrLst/>
+    <dgm:txFillClrLst meth="repeat">
+      <a:schemeClr val="dk1"/>
+    </dgm:txFillClrLst>
+    <dgm:txEffectClrLst/>
+  </dgm:styleLbl>
+  <dgm:styleLbl name="node1">
+    <dgm:fillClrLst meth="repeat">
+      <a:schemeClr val="lt1"/>
+    </dgm:fillClrLst>
+    <dgm:linClrLst meth="repeat">
+      <a:schemeClr val="accent2">
+        <a:shade val="80000"/>
+      </a:schemeClr>
+    </dgm:linClrLst>
+    <dgm:effectClrLst/>
+    <dgm:txLinClrLst/>
+    <dgm:txFillClrLst meth="repeat">
+      <a:schemeClr val="dk1"/>
+    </dgm:txFillClrLst>
+    <dgm:txEffectClrLst/>
+  </dgm:styleLbl>
+  <dgm:styleLbl name="alignNode1">
+    <dgm:fillClrLst meth="repeat">
+      <a:schemeClr val="lt1"/>
+    </dgm:fillClrLst>
+    <dgm:linClrLst meth="repeat">
+      <a:schemeClr val="accent2">
+        <a:shade val="80000"/>
+      </a:schemeClr>
+    </dgm:linClrLst>
+    <dgm:effectClrLst/>
+    <dgm:txLinClrLst/>
+    <dgm:txFillClrLst meth="repeat">
+      <a:schemeClr val="dk1"/>
+    </dgm:txFillClrLst>
+    <dgm:txEffectClrLst/>
+  </dgm:styleLbl>
+  <dgm:styleLbl name="lnNode1">
+    <dgm:fillClrLst meth="repeat">
+      <a:schemeClr val="lt1"/>
+    </dgm:fillClrLst>
+    <dgm:linClrLst meth="repeat">
+      <a:schemeClr val="accent2">
+        <a:shade val="80000"/>
+      </a:schemeClr>
+    </dgm:linClrLst>
+    <dgm:effectClrLst/>
+    <dgm:txLinClrLst/>
+    <dgm:txFillClrLst meth="repeat">
+      <a:schemeClr val="dk1"/>
+    </dgm:txFillClrLst>
+    <dgm:txEffectClrLst/>
+  </dgm:styleLbl>
+  <dgm:styleLbl name="vennNode1">
+    <dgm:fillClrLst meth="repeat">
+      <a:schemeClr val="lt1">
+        <a:alpha val="50000"/>
+      </a:schemeClr>
+    </dgm:fillClrLst>
+    <dgm:linClrLst meth="repeat">
+      <a:schemeClr val="accent2">
+        <a:shade val="80000"/>
+      </a:schemeClr>
+    </dgm:linClrLst>
+    <dgm:effectClrLst/>
+    <dgm:txLinClrLst/>
+    <dgm:txFillClrLst/>
+    <dgm:txEffectClrLst/>
+  </dgm:styleLbl>
+  <dgm:styleLbl name="node2">
+    <dgm:fillClrLst meth="repeat">
+      <a:schemeClr val="lt1"/>
+    </dgm:fillClrLst>
+    <dgm:linClrLst meth="repeat">
+      <a:schemeClr val="accent2">
+        <a:shade val="80000"/>
+      </a:schemeClr>
+    </dgm:linClrLst>
+    <dgm:effectClrLst/>
+    <dgm:txLinClrLst/>
+    <dgm:txFillClrLst meth="repeat">
+      <a:schemeClr val="dk1"/>
+    </dgm:txFillClrLst>
+    <dgm:txEffectClrLst/>
+  </dgm:styleLbl>
+  <dgm:styleLbl name="node3">
+    <dgm:fillClrLst meth="repeat">
+      <a:schemeClr val="lt1"/>
+    </dgm:fillClrLst>
+    <dgm:linClrLst meth="repeat">
+      <a:schemeClr val="accent2">
+        <a:shade val="80000"/>
+      </a:schemeClr>
+    </dgm:linClrLst>
+    <dgm:effectClrLst/>
+    <dgm:txLinClrLst/>
+    <dgm:txFillClrLst meth="repeat">
+      <a:schemeClr val="dk1"/>
+    </dgm:txFillClrLst>
+    <dgm:txEffectClrLst/>
+  </dgm:styleLbl>
+  <dgm:styleLbl name="node4">
+    <dgm:fillClrLst meth="repeat">
+      <a:schemeClr val="lt1"/>
+    </dgm:fillClrLst>
+    <dgm:linClrLst meth="repeat">
+      <a:schemeClr val="accent2">
+        <a:shade val="80000"/>
+      </a:schemeClr>
+    </dgm:linClrLst>
+    <dgm:effectClrLst/>
+    <dgm:txLinClrLst/>
+    <dgm:txFillClrLst meth="repeat">
+      <a:schemeClr val="dk1"/>
+    </dgm:txFillClrLst>
+    <dgm:txEffectClrLst/>
+  </dgm:styleLbl>
+  <dgm:styleLbl name="fgImgPlace1">
+    <dgm:fillClrLst meth="repeat">
+      <a:schemeClr val="accent2">
+        <a:tint val="40000"/>
+      </a:schemeClr>
+    </dgm:fillClrLst>
+    <dgm:linClrLst meth="repeat">
+      <a:schemeClr val="accent2">
+        <a:shade val="80000"/>
+      </a:schemeClr>
+    </dgm:linClrLst>
+    <dgm:effectClrLst/>
+    <dgm:txLinClrLst/>
+    <dgm:txFillClrLst meth="repeat">
+      <a:schemeClr val="lt1"/>
+    </dgm:txFillClrLst>
+    <dgm:txEffectClrLst/>
+  </dgm:styleLbl>
+  <dgm:styleLbl name="alignImgPlace1">
+    <dgm:fillClrLst meth="repeat">
+      <a:schemeClr val="accent2">
+        <a:tint val="40000"/>
+      </a:schemeClr>
+    </dgm:fillClrLst>
+    <dgm:linClrLst meth="repeat">
+      <a:schemeClr val="accent2">
+        <a:shade val="80000"/>
+      </a:schemeClr>
+    </dgm:linClrLst>
+    <dgm:effectClrLst/>
+    <dgm:txLinClrLst/>
+    <dgm:txFillClrLst meth="repeat">
+      <a:schemeClr val="lt1"/>
+    </dgm:txFillClrLst>
+    <dgm:txEffectClrLst/>
+  </dgm:styleLbl>
+  <dgm:styleLbl name="bgImgPlace1">
+    <dgm:fillClrLst meth="repeat">
+      <a:schemeClr val="accent2">
+        <a:tint val="40000"/>
+      </a:schemeClr>
+    </dgm:fillClrLst>
+    <dgm:linClrLst meth="repeat">
+      <a:schemeClr val="accent2">
+        <a:shade val="80000"/>
+      </a:schemeClr>
+    </dgm:linClrLst>
+    <dgm:effectClrLst/>
+    <dgm:txLinClrLst/>
+    <dgm:txFillClrLst meth="repeat">
+      <a:schemeClr val="lt1"/>
+    </dgm:txFillClrLst>
+    <dgm:txEffectClrLst/>
+  </dgm:styleLbl>
+  <dgm:styleLbl name="sibTrans2D1">
+    <dgm:fillClrLst meth="repeat">
+      <a:schemeClr val="accent2">
+        <a:tint val="60000"/>
+      </a:schemeClr>
+    </dgm:fillClrLst>
+    <dgm:linClrLst meth="repeat">
+      <a:schemeClr val="accent2">
+        <a:tint val="60000"/>
+      </a:schemeClr>
+    </dgm:linClrLst>
+    <dgm:effectClrLst/>
+    <dgm:txLinClrLst/>
+    <dgm:txFillClrLst meth="repeat">
+      <a:schemeClr val="dk1"/>
+    </dgm:txFillClrLst>
+    <dgm:txEffectClrLst/>
+  </dgm:styleLbl>
+  <dgm:styleLbl name="fgSibTrans2D1">
+    <dgm:fillClrLst meth="repeat">
+      <a:schemeClr val="accent2">
+        <a:tint val="60000"/>
+      </a:schemeClr>
+    </dgm:fillClrLst>
+    <dgm:linClrLst meth="repeat">
+      <a:schemeClr val="accent2">
+        <a:tint val="60000"/>
+      </a:schemeClr>
+    </dgm:linClrLst>
+    <dgm:effectClrLst/>
+    <dgm:txLinClrLst/>
+    <dgm:txFillClrLst meth="repeat">
+      <a:schemeClr val="dk1"/>
+    </dgm:txFillClrLst>
+    <dgm:txEffectClrLst/>
+  </dgm:styleLbl>
+  <dgm:styleLbl name="bgSibTrans2D1">
+    <dgm:fillClrLst meth="repeat">
+      <a:schemeClr val="accent2">
+        <a:tint val="60000"/>
+      </a:schemeClr>
+    </dgm:fillClrLst>
+    <dgm:linClrLst meth="repeat">
+      <a:schemeClr val="accent2">
+        <a:tint val="60000"/>
+      </a:schemeClr>
+    </dgm:linClrLst>
+    <dgm:effectClrLst/>
+    <dgm:txLinClrLst/>
+    <dgm:txFillClrLst meth="repeat">
+      <a:schemeClr val="dk1"/>
+    </dgm:txFillClrLst>
+    <dgm:txEffectClrLst/>
+  </dgm:styleLbl>
+  <dgm:styleLbl name="sibTrans1D1">
+    <dgm:fillClrLst meth="repeat">
+      <a:schemeClr val="accent2"/>
+    </dgm:fillClrLst>
+    <dgm:linClrLst meth="repeat">
+      <a:schemeClr val="accent2"/>
+    </dgm:linClrLst>
+    <dgm:effectClrLst/>
+    <dgm:txLinClrLst/>
+    <dgm:txFillClrLst meth="repeat">
+      <a:schemeClr val="tx1"/>
+    </dgm:txFillClrLst>
+    <dgm:txEffectClrLst/>
+  </dgm:styleLbl>
+  <dgm:styleLbl name="callout">
+    <dgm:fillClrLst meth="repeat">
+      <a:schemeClr val="accent2"/>
+    </dgm:fillClrLst>
+    <dgm:linClrLst meth="repeat">
+      <a:schemeClr val="accent2"/>
+    </dgm:linClrLst>
+    <dgm:effectClrLst/>
+    <dgm:txLinClrLst/>
+    <dgm:txFillClrLst meth="repeat">
+      <a:schemeClr val="tx1"/>
+    </dgm:txFillClrLst>
+    <dgm:txEffectClrLst/>
+  </dgm:styleLbl>
+  <dgm:styleLbl name="asst0">
+    <dgm:fillClrLst meth="repeat">
+      <a:schemeClr val="lt1"/>
+    </dgm:fillClrLst>
+    <dgm:linClrLst meth="repeat">
+      <a:schemeClr val="accent2">
+        <a:shade val="80000"/>
+      </a:schemeClr>
+    </dgm:linClrLst>
+    <dgm:effectClrLst/>
+    <dgm:txLinClrLst/>
+    <dgm:txFillClrLst meth="repeat">
+      <a:schemeClr val="dk1"/>
+    </dgm:txFillClrLst>
+    <dgm:txEffectClrLst/>
+  </dgm:styleLbl>
+  <dgm:styleLbl name="asst1">
+    <dgm:fillClrLst meth="repeat">
+      <a:schemeClr val="lt1"/>
+    </dgm:fillClrLst>
+    <dgm:linClrLst meth="repeat">
+      <a:schemeClr val="accent2">
+        <a:shade val="80000"/>
+      </a:schemeClr>
+    </dgm:linClrLst>
+    <dgm:effectClrLst/>
+    <dgm:txLinClrLst/>
+    <dgm:txFillClrLst meth="repeat">
+      <a:schemeClr val="dk1"/>
+    </dgm:txFillClrLst>
+    <dgm:txEffectClrLst/>
+  </dgm:styleLbl>
+  <dgm:styleLbl name="asst2">
+    <dgm:fillClrLst meth="repeat">
+      <a:schemeClr val="lt1"/>
+    </dgm:fillClrLst>
+    <dgm:linClrLst meth="repeat">
+      <a:schemeClr val="accent2">
+        <a:shade val="80000"/>
+      </a:schemeClr>
+    </dgm:linClrLst>
+    <dgm:effectClrLst/>
+    <dgm:txLinClrLst/>
+    <dgm:txFillClrLst meth="repeat">
+      <a:schemeClr val="dk1"/>
+    </dgm:txFillClrLst>
+    <dgm:txEffectClrLst/>
+  </dgm:styleLbl>
+  <dgm:styleLbl name="asst3">
+    <dgm:fillClrLst meth="repeat">
+      <a:schemeClr val="lt1"/>
+    </dgm:fillClrLst>
+    <dgm:linClrLst meth="repeat">
+      <a:schemeClr val="accent2">
+        <a:shade val="80000"/>
+      </a:schemeClr>
+    </dgm:linClrLst>
+    <dgm:effectClrLst/>
+    <dgm:txLinClrLst/>
+    <dgm:txFillClrLst meth="repeat">
+      <a:schemeClr val="dk1"/>
+    </dgm:txFillClrLst>
+    <dgm:txEffectClrLst/>
+  </dgm:styleLbl>
+  <dgm:styleLbl name="asst4">
+    <dgm:fillClrLst meth="repeat">
+      <a:schemeClr val="lt1"/>
+    </dgm:fillClrLst>
+    <dgm:linClrLst meth="repeat">
+      <a:schemeClr val="accent2">
+        <a:shade val="80000"/>
+      </a:schemeClr>
+    </dgm:linClrLst>
+    <dgm:effectClrLst/>
+    <dgm:txLinClrLst/>
+    <dgm:txFillClrLst meth="repeat">
+      <a:schemeClr val="dk1"/>
+    </dgm:txFillClrLst>
+    <dgm:txEffectClrLst/>
+  </dgm:styleLbl>
+  <dgm:styleLbl name="parChTrans2D1">
+    <dgm:fillClrLst meth="repeat">
+      <a:schemeClr val="accent2">
+        <a:tint val="60000"/>
+      </a:schemeClr>
+    </dgm:fillClrLst>
+    <dgm:linClrLst meth="repeat">
+      <a:schemeClr val="accent2">
+        <a:tint val="60000"/>
+      </a:schemeClr>
+    </dgm:linClrLst>
+    <dgm:effectClrLst/>
+    <dgm:txLinClrLst/>
+    <dgm:txFillClrLst/>
+    <dgm:txEffectClrLst/>
+  </dgm:styleLbl>
+  <dgm:styleLbl name="parChTrans2D2">
+    <dgm:fillClrLst meth="repeat">
+      <a:schemeClr val="accent2"/>
+    </dgm:fillClrLst>
+    <dgm:linClrLst meth="repeat">
+      <a:schemeClr val="accent2"/>
+    </dgm:linClrLst>
+    <dgm:effectClrLst/>
+    <dgm:txLinClrLst/>
+    <dgm:txFillClrLst/>
+    <dgm:txEffectClrLst/>
+  </dgm:styleLbl>
+  <dgm:styleLbl name="parChTrans2D3">
+    <dgm:fillClrLst meth="repeat">
+      <a:schemeClr val="accent2"/>
+    </dgm:fillClrLst>
+    <dgm:linClrLst meth="repeat">
+      <a:schemeClr val="accent2"/>
+    </dgm:linClrLst>
+    <dgm:effectClrLst/>
+    <dgm:txLinClrLst/>
+    <dgm:txFillClrLst/>
+    <dgm:txEffectClrLst/>
+  </dgm:styleLbl>
+  <dgm:styleLbl name="parChTrans2D4">
+    <dgm:fillClrLst meth="repeat">
+      <a:schemeClr val="accent2"/>
+    </dgm:fillClrLst>
+    <dgm:linClrLst meth="repeat">
+      <a:schemeClr val="accent2"/>
+    </dgm:linClrLst>
+    <dgm:effectClrLst/>
+    <dgm:txLinClrLst/>
+    <dgm:txFillClrLst meth="repeat">
+      <a:schemeClr val="lt1"/>
+    </dgm:txFillClrLst>
+    <dgm:txEffectClrLst/>
+  </dgm:styleLbl>
+  <dgm:styleLbl name="parChTrans1D1">
+    <dgm:fillClrLst meth="repeat">
+      <a:schemeClr val="accent2"/>
+    </dgm:fillClrLst>
+    <dgm:linClrLst meth="repeat">
+      <a:schemeClr val="accent2">
+        <a:shade val="60000"/>
+      </a:schemeClr>
+    </dgm:linClrLst>
+    <dgm:effectClrLst/>
+    <dgm:txLinClrLst/>
+    <dgm:txFillClrLst meth="repeat">
+      <a:schemeClr val="tx1"/>
+    </dgm:txFillClrLst>
+    <dgm:txEffectClrLst/>
+  </dgm:styleLbl>
+  <dgm:styleLbl name="parChTrans1D2">
+    <dgm:fillClrLst meth="repeat">
+      <a:schemeClr val="accent2"/>
+    </dgm:fillClrLst>
+    <dgm:linClrLst meth="repeat">
+      <a:schemeClr val="accent2">
+        <a:shade val="60000"/>
+      </a:schemeClr>
+    </dgm:linClrLst>
+    <dgm:effectClrLst/>
+    <dgm:txLinClrLst/>
+    <dgm:txFillClrLst meth="repeat">
+      <a:schemeClr val="tx1"/>
+    </dgm:txFillClrLst>
+    <dgm:txEffectClrLst/>
+  </dgm:styleLbl>
+  <dgm:styleLbl name="parChTrans1D3">
+    <dgm:fillClrLst meth="repeat">
+      <a:schemeClr val="accent2"/>
+    </dgm:fillClrLst>
+    <dgm:linClrLst meth="repeat">
+      <a:schemeClr val="accent2">
+        <a:shade val="80000"/>
+      </a:schemeClr>
+    </dgm:linClrLst>
+    <dgm:effectClrLst/>
+    <dgm:txLinClrLst/>
+    <dgm:txFillClrLst meth="repeat">
+      <a:schemeClr val="tx1"/>
+    </dgm:txFillClrLst>
+    <dgm:txEffectClrLst/>
+  </dgm:styleLbl>
+  <dgm:styleLbl name="parChTrans1D4">
+    <dgm:fillClrLst meth="repeat">
+      <a:schemeClr val="accent2"/>
+    </dgm:fillClrLst>
+    <dgm:linClrLst meth="repeat">
+      <a:schemeClr val="accent2">
+        <a:shade val="80000"/>
+      </a:schemeClr>
+    </dgm:linClrLst>
+    <dgm:effectClrLst/>
+    <dgm:txLinClrLst/>
+    <dgm:txFillClrLst meth="repeat">
+      <a:schemeClr val="tx1"/>
+    </dgm:txFillClrLst>
+    <dgm:txEffectClrLst/>
+  </dgm:styleLbl>
+  <dgm:styleLbl name="fgAcc1">
+    <dgm:fillClrLst meth="repeat">
+      <a:schemeClr val="accent2">
+        <a:alpha val="90000"/>
+        <a:tint val="40000"/>
+      </a:schemeClr>
+    </dgm:fillClrLst>
+    <dgm:linClrLst meth="repeat">
+      <a:schemeClr val="accent2"/>
+    </dgm:linClrLst>
+    <dgm:effectClrLst/>
+    <dgm:txLinClrLst/>
+    <dgm:txFillClrLst meth="repeat">
+      <a:schemeClr val="dk1"/>
+    </dgm:txFillClrLst>
+    <dgm:txEffectClrLst/>
+  </dgm:styleLbl>
+  <dgm:styleLbl name="conFgAcc1">
+    <dgm:fillClrLst meth="repeat">
+      <a:schemeClr val="accent2">
+        <a:alpha val="90000"/>
+        <a:tint val="40000"/>
+      </a:schemeClr>
+    </dgm:fillClrLst>
+    <dgm:linClrLst meth="repeat">
+      <a:schemeClr val="accent2"/>
+    </dgm:linClrLst>
+    <dgm:effectClrLst/>
+    <dgm:txLinClrLst/>
+    <dgm:txFillClrLst meth="repeat">
+      <a:schemeClr val="dk1"/>
+    </dgm:txFillClrLst>
+    <dgm:txEffectClrLst/>
+  </dgm:styleLbl>
+  <dgm:styleLbl name="alignAcc1">
+    <dgm:fillClrLst meth="repeat">
+      <a:schemeClr val="accent2">
+        <a:alpha val="90000"/>
+        <a:tint val="40000"/>
+      </a:schemeClr>
+    </dgm:fillClrLst>
+    <dgm:linClrLst meth="repeat">
+      <a:schemeClr val="accent2"/>
+    </dgm:linClrLst>
+    <dgm:effectClrLst/>
+    <dgm:txLinClrLst/>
+    <dgm:txFillClrLst meth="repeat">
+      <a:schemeClr val="dk1"/>
+    </dgm:txFillClrLst>
+    <dgm:txEffectClrLst/>
+  </dgm:styleLbl>
+  <dgm:styleLbl name="trAlignAcc1">
+    <dgm:fillClrLst meth="repeat">
+      <a:schemeClr val="accent2">
+        <a:alpha val="40000"/>
+        <a:tint val="40000"/>
+      </a:schemeClr>
+    </dgm:fillClrLst>
+    <dgm:linClrLst meth="repeat">
+      <a:schemeClr val="accent2"/>
+    </dgm:linClrLst>
+    <dgm:effectClrLst/>
+    <dgm:txLinClrLst/>
+    <dgm:txFillClrLst meth="repeat">
+      <a:schemeClr val="dk1"/>
+    </dgm:txFillClrLst>
+    <dgm:txEffectClrLst/>
+  </dgm:styleLbl>
+  <dgm:styleLbl name="bgAcc1">
+    <dgm:fillClrLst meth="repeat">
+      <a:schemeClr val="accent2">
+        <a:alpha val="90000"/>
+        <a:tint val="40000"/>
+      </a:schemeClr>
+    </dgm:fillClrLst>
+    <dgm:linClrLst meth="repeat">
+      <a:schemeClr val="accent2"/>
+    </dgm:linClrLst>
+    <dgm:effectClrLst/>
+    <dgm:txLinClrLst/>
+    <dgm:txFillClrLst meth="repeat">
+      <a:schemeClr val="dk1"/>
+    </dgm:txFillClrLst>
+    <dgm:txEffectClrLst/>
+  </dgm:styleLbl>
+  <dgm:styleLbl name="solidFgAcc1">
+    <dgm:fillClrLst meth="repeat">
+      <a:schemeClr val="lt1"/>
+    </dgm:fillClrLst>
+    <dgm:linClrLst meth="repeat">
+      <a:schemeClr val="accent2"/>
+    </dgm:linClrLst>
+    <dgm:effectClrLst/>
+    <dgm:txLinClrLst/>
+    <dgm:txFillClrLst meth="repeat">
+      <a:schemeClr val="dk1"/>
+    </dgm:txFillClrLst>
+    <dgm:txEffectClrLst/>
+  </dgm:styleLbl>
+  <dgm:styleLbl name="solidAlignAcc1">
+    <dgm:fillClrLst meth="repeat">
+      <a:schemeClr val="lt1"/>
+    </dgm:fillClrLst>
+    <dgm:linClrLst meth="repeat">
+      <a:schemeClr val="accent2"/>
+    </dgm:linClrLst>
+    <dgm:effectClrLst/>
+    <dgm:txLinClrLst/>
+    <dgm:txFillClrLst meth="repeat">
+      <a:schemeClr val="dk1"/>
+    </dgm:txFillClrLst>
+    <dgm:txEffectClrLst/>
+  </dgm:styleLbl>
+  <dgm:styleLbl name="solidBgAcc1">
+    <dgm:fillClrLst meth="repeat">
+      <a:schemeClr val="lt1"/>
+    </dgm:fillClrLst>
+    <dgm:linClrLst meth="repeat">
+      <a:schemeClr val="accent2"/>
+    </dgm:linClrLst>
+    <dgm:effectClrLst/>
+    <dgm:txLinClrLst/>
+    <dgm:txFillClrLst meth="repeat">
+      <a:schemeClr val="dk1"/>
+    </dgm:txFillClrLst>
+    <dgm:txEffectClrLst/>
+  </dgm:styleLbl>
+  <dgm:styleLbl name="fgAccFollowNode1">
+    <dgm:fillClrLst meth="repeat">
+      <a:schemeClr val="lt1">
+        <a:alpha val="90000"/>
+        <a:tint val="40000"/>
+      </a:schemeClr>
+    </dgm:fillClrLst>
+    <dgm:linClrLst meth="repeat">
+      <a:schemeClr val="accent2">
+        <a:alpha val="90000"/>
+      </a:schemeClr>
+    </dgm:linClrLst>
+    <dgm:effectClrLst/>
+    <dgm:txLinClrLst/>
+    <dgm:txFillClrLst meth="repeat">
+      <a:schemeClr val="dk1"/>
+    </dgm:txFillClrLst>
+    <dgm:txEffectClrLst/>
+  </dgm:styleLbl>
+  <dgm:styleLbl name="alignAccFollowNode1">
+    <dgm:fillClrLst meth="repeat">
+      <a:schemeClr val="lt1">
+        <a:alpha val="90000"/>
+        <a:tint val="40000"/>
+      </a:schemeClr>
+    </dgm:fillClrLst>
+    <dgm:linClrLst meth="repeat">
+      <a:schemeClr val="accent2">
+        <a:alpha val="90000"/>
+      </a:schemeClr>
+    </dgm:linClrLst>
+    <dgm:effectClrLst/>
+    <dgm:txLinClrLst/>
+    <dgm:txFillClrLst meth="repeat">
+      <a:schemeClr val="dk1"/>
+    </dgm:txFillClrLst>
+    <dgm:txEffectClrLst/>
+  </dgm:styleLbl>
+  <dgm:styleLbl name="bgAccFollowNode1">
+    <dgm:fillClrLst meth="repeat">
+      <a:schemeClr val="lt1">
+        <a:alpha val="90000"/>
+        <a:tint val="40000"/>
+      </a:schemeClr>
+    </dgm:fillClrLst>
+    <dgm:linClrLst meth="repeat">
+      <a:schemeClr val="accent2">
+        <a:alpha val="90000"/>
+      </a:schemeClr>
+    </dgm:linClrLst>
+    <dgm:effectClrLst/>
+    <dgm:txLinClrLst/>
+    <dgm:txFillClrLst meth="repeat">
+      <a:schemeClr val="dk1"/>
+    </dgm:txFillClrLst>
+    <dgm:txEffectClrLst/>
+  </dgm:styleLbl>
+  <dgm:styleLbl name="fgAcc0">
+    <dgm:fillClrLst meth="repeat">
+      <a:schemeClr val="accent2">
+        <a:alpha val="90000"/>
+        <a:tint val="40000"/>
+      </a:schemeClr>
+    </dgm:fillClrLst>
+    <dgm:linClrLst meth="repeat">
+      <a:schemeClr val="accent2"/>
+    </dgm:linClrLst>
+    <dgm:effectClrLst/>
+    <dgm:txLinClrLst/>
+    <dgm:txFillClrLst meth="repeat">
+      <a:schemeClr val="dk1"/>
+    </dgm:txFillClrLst>
+    <dgm:txEffectClrLst/>
+  </dgm:styleLbl>
+  <dgm:styleLbl name="fgAcc2">
+    <dgm:fillClrLst meth="repeat">
+      <a:schemeClr val="accent2">
+        <a:alpha val="90000"/>
+        <a:tint val="40000"/>
+      </a:schemeClr>
+    </dgm:fillClrLst>
+    <dgm:linClrLst meth="repeat">
+      <a:schemeClr val="accent2"/>
+    </dgm:linClrLst>
+    <dgm:effectClrLst/>
+    <dgm:txLinClrLst/>
+    <dgm:txFillClrLst meth="repeat">
+      <a:schemeClr val="dk1"/>
+    </dgm:txFillClrLst>
+    <dgm:txEffectClrLst/>
+  </dgm:styleLbl>
+  <dgm:styleLbl name="fgAcc3">
+    <dgm:fillClrLst meth="repeat">
+      <a:schemeClr val="accent2">
+        <a:alpha val="90000"/>
+        <a:tint val="40000"/>
+      </a:schemeClr>
+    </dgm:fillClrLst>
+    <dgm:linClrLst meth="repeat">
+      <a:schemeClr val="accent2"/>
+    </dgm:linClrLst>
+    <dgm:effectClrLst/>
+    <dgm:txLinClrLst/>
+    <dgm:txFillClrLst meth="repeat">
+      <a:schemeClr val="dk1"/>
+    </dgm:txFillClrLst>
+    <dgm:txEffectClrLst/>
+  </dgm:styleLbl>
+  <dgm:styleLbl name="fgAcc4">
+    <dgm:fillClrLst meth="repeat">
+      <a:schemeClr val="accent2">
+        <a:alpha val="90000"/>
+        <a:tint val="40000"/>
+      </a:schemeClr>
+    </dgm:fillClrLst>
+    <dgm:linClrLst meth="repeat">
+      <a:schemeClr val="accent2"/>
+    </dgm:linClrLst>
+    <dgm:effectClrLst/>
+    <dgm:txLinClrLst/>
+    <dgm:txFillClrLst meth="repeat">
+      <a:schemeClr val="dk1"/>
+    </dgm:txFillClrLst>
+    <dgm:txEffectClrLst/>
+  </dgm:styleLbl>
+  <dgm:styleLbl name="bgShp">
+    <dgm:fillClrLst meth="repeat">
+      <a:schemeClr val="accent2">
+        <a:tint val="40000"/>
+      </a:schemeClr>
+    </dgm:fillClrLst>
+    <dgm:linClrLst meth="repeat">
+      <a:schemeClr val="accent2"/>
+    </dgm:linClrLst>
+    <dgm:effectClrLst/>
+    <dgm:txLinClrLst/>
+    <dgm:txFillClrLst meth="repeat">
+      <a:schemeClr val="dk1"/>
+    </dgm:txFillClrLst>
+    <dgm:txEffectClrLst/>
+  </dgm:styleLbl>
+  <dgm:styleLbl name="dkBgShp">
+    <dgm:fillClrLst meth="repeat">
+      <a:schemeClr val="accent2">
+        <a:shade val="80000"/>
+      </a:schemeClr>
+    </dgm:fillClrLst>
+    <dgm:linClrLst meth="repeat">
+      <a:schemeClr val="accent2"/>
+    </dgm:linClrLst>
+    <dgm:effectClrLst/>
+    <dgm:txLinClrLst/>
+    <dgm:txFillClrLst meth="repeat">
+      <a:schemeClr val="lt1"/>
+    </dgm:txFillClrLst>
+    <dgm:txEffectClrLst/>
+  </dgm:styleLbl>
+  <dgm:styleLbl name="trBgShp">
+    <dgm:fillClrLst meth="repeat">
+      <a:schemeClr val="accent2">
+        <a:tint val="50000"/>
+        <a:alpha val="40000"/>
+      </a:schemeClr>
+    </dgm:fillClrLst>
+    <dgm:linClrLst meth="repeat">
+      <a:schemeClr val="accent2"/>
+    </dgm:linClrLst>
+    <dgm:effectClrLst/>
+    <dgm:txLinClrLst/>
+    <dgm:txFillClrLst meth="repeat">
+      <a:schemeClr val="lt1"/>
+    </dgm:txFillClrLst>
+    <dgm:txEffectClrLst/>
+  </dgm:styleLbl>
+  <dgm:styleLbl name="fgShp">
+    <dgm:fillClrLst meth="repeat">
+      <a:schemeClr val="accent2">
+        <a:tint val="60000"/>
+      </a:schemeClr>
+    </dgm:fillClrLst>
+    <dgm:linClrLst meth="repeat">
+      <a:schemeClr val="lt1"/>
+    </dgm:linClrLst>
+    <dgm:effectClrLst/>
+    <dgm:txLinClrLst/>
+    <dgm:txFillClrLst meth="repeat">
+      <a:schemeClr val="dk1"/>
+    </dgm:txFillClrLst>
+    <dgm:txEffectClrLst/>
+  </dgm:styleLbl>
+  <dgm:styleLbl name="revTx">
+    <dgm:fillClrLst meth="repeat">
+      <a:schemeClr val="lt1">
+        <a:alpha val="0"/>
+      </a:schemeClr>
+    </dgm:fillClrLst>
+    <dgm:linClrLst meth="repeat">
+      <a:schemeClr val="dk1">
+        <a:alpha val="0"/>
+      </a:schemeClr>
+    </dgm:linClrLst>
+    <dgm:effectClrLst/>
+    <dgm:txLinClrLst/>
+    <dgm:txFillClrLst meth="repeat">
+      <a:schemeClr val="tx1"/>
+    </dgm:txFillClrLst>
+    <dgm:txEffectClrLst/>
+  </dgm:styleLbl>
+</dgm:colorsDef>
+</file>
+
+<file path=ppt/diagrams/data1.xml><?xml version="1.0" encoding="utf-8"?>
+<dgm:dataModel xmlns:dgm="http://schemas.openxmlformats.org/drawingml/2006/diagram" xmlns:a="http://schemas.openxmlformats.org/drawingml/2006/main">
+  <dgm:ptLst>
+    <dgm:pt modelId="{E9BFA14D-B5EE-43E5-BE71-E67AAA8359BF}" type="doc">
+      <dgm:prSet loTypeId="urn:microsoft.com/office/officeart/2005/8/layout/pList1" loCatId="list" qsTypeId="urn:microsoft.com/office/officeart/2005/8/quickstyle/simple1" qsCatId="simple" csTypeId="urn:microsoft.com/office/officeart/2005/8/colors/accent2_1" csCatId="accent2" phldr="1"/>
+      <dgm:spPr/>
+      <dgm:t>
+        <a:bodyPr/>
+        <a:lstStyle/>
+        <a:p>
+          <a:endParaRPr lang="es-ES"/>
+        </a:p>
+      </dgm:t>
+    </dgm:pt>
+    <dgm:pt modelId="{2E149E73-6B9F-4FFD-B231-B43C2A1B24FB}">
+      <dgm:prSet phldrT="[Texto]"/>
+      <dgm:spPr>
+        <a:solidFill>
+          <a:schemeClr val="accent2">
+            <a:lumMod val="20000"/>
+            <a:lumOff val="80000"/>
+          </a:schemeClr>
+        </a:solidFill>
+      </dgm:spPr>
+      <dgm:t>
+        <a:bodyPr/>
+        <a:lstStyle/>
+        <a:p>
+          <a:pPr>
+            <a:buFont typeface="Wingdings" panose="05000000000000000000" pitchFamily="2" charset="2"/>
+            <a:buChar char="ü"/>
+          </a:pPr>
+          <a:r>
+            <a:rPr lang="es-ES" dirty="0">
+              <a:latin typeface="+mn-lt"/>
+              <a:ea typeface="Cambria" panose="02040503050406030204" pitchFamily="18" charset="0"/>
+            </a:rPr>
+            <a:t>Programación </a:t>
+          </a:r>
+        </a:p>
+        <a:p>
+          <a:pPr>
+            <a:buFont typeface="Wingdings" panose="05000000000000000000" pitchFamily="2" charset="2"/>
+            <a:buChar char="ü"/>
+          </a:pPr>
+          <a:r>
+            <a:rPr lang="es-ES" dirty="0">
+              <a:latin typeface="+mn-lt"/>
+              <a:ea typeface="Cambria" panose="02040503050406030204" pitchFamily="18" charset="0"/>
+            </a:rPr>
+            <a:t>Hipermedia</a:t>
+          </a:r>
+          <a:endParaRPr lang="es-ES" dirty="0">
+            <a:latin typeface="+mn-lt"/>
+          </a:endParaRPr>
+        </a:p>
+      </dgm:t>
+    </dgm:pt>
+    <dgm:pt modelId="{197229DE-1860-4DD2-9833-261D889383BF}" type="parTrans" cxnId="{8B180440-744D-4834-B957-C5B81E4A9087}">
+      <dgm:prSet/>
+      <dgm:spPr/>
+      <dgm:t>
+        <a:bodyPr/>
+        <a:lstStyle/>
+        <a:p>
+          <a:endParaRPr lang="es-ES"/>
+        </a:p>
+      </dgm:t>
+    </dgm:pt>
+    <dgm:pt modelId="{ECAF15FD-8FA1-4288-BD99-FB6A36A6E1F0}" type="sibTrans" cxnId="{8B180440-744D-4834-B957-C5B81E4A9087}">
+      <dgm:prSet/>
+      <dgm:spPr/>
+      <dgm:t>
+        <a:bodyPr/>
+        <a:lstStyle/>
+        <a:p>
+          <a:endParaRPr lang="es-ES"/>
+        </a:p>
+      </dgm:t>
+    </dgm:pt>
+    <dgm:pt modelId="{C6FCF4EF-EB31-412E-9D31-9A0A843231DA}">
+      <dgm:prSet phldrT="[Texto]"/>
+      <dgm:spPr>
+        <a:solidFill>
+          <a:schemeClr val="accent2">
+            <a:lumMod val="20000"/>
+            <a:lumOff val="80000"/>
+          </a:schemeClr>
+        </a:solidFill>
+      </dgm:spPr>
+      <dgm:t>
+        <a:bodyPr/>
+        <a:lstStyle/>
+        <a:p>
+          <a:pPr>
+            <a:buFont typeface="Wingdings" panose="05000000000000000000" pitchFamily="2" charset="2"/>
+            <a:buChar char="ü"/>
+          </a:pPr>
+          <a:r>
+            <a:rPr lang="es-ES" dirty="0">
+              <a:latin typeface="+mn-lt"/>
+              <a:ea typeface="Cambria" panose="02040503050406030204" pitchFamily="18" charset="0"/>
+            </a:rPr>
+            <a:t>Bases de Datos y Sistemas de Información</a:t>
+          </a:r>
+          <a:endParaRPr lang="es-ES" dirty="0">
+            <a:latin typeface="+mn-lt"/>
+          </a:endParaRPr>
+        </a:p>
+      </dgm:t>
+    </dgm:pt>
+    <dgm:pt modelId="{F1C47A0B-F1B1-42C6-AD43-DE4BB3B4B7DA}" type="parTrans" cxnId="{0DF8A177-DA53-4C17-8617-3578C1C0AB40}">
+      <dgm:prSet/>
+      <dgm:spPr/>
+      <dgm:t>
+        <a:bodyPr/>
+        <a:lstStyle/>
+        <a:p>
+          <a:endParaRPr lang="es-ES"/>
+        </a:p>
+      </dgm:t>
+    </dgm:pt>
+    <dgm:pt modelId="{5A10D68A-B40A-41C9-BDF4-1C6530388327}" type="sibTrans" cxnId="{0DF8A177-DA53-4C17-8617-3578C1C0AB40}">
+      <dgm:prSet/>
+      <dgm:spPr/>
+      <dgm:t>
+        <a:bodyPr/>
+        <a:lstStyle/>
+        <a:p>
+          <a:endParaRPr lang="es-ES"/>
+        </a:p>
+      </dgm:t>
+    </dgm:pt>
+    <dgm:pt modelId="{E47DD231-497D-4AC2-9D49-2C36C895C22C}" type="pres">
+      <dgm:prSet presAssocID="{E9BFA14D-B5EE-43E5-BE71-E67AAA8359BF}" presName="Name0" presStyleCnt="0">
+        <dgm:presLayoutVars>
+          <dgm:dir/>
+          <dgm:resizeHandles val="exact"/>
+        </dgm:presLayoutVars>
+      </dgm:prSet>
+      <dgm:spPr/>
+    </dgm:pt>
+    <dgm:pt modelId="{9FFF0D9E-11F0-4242-A2CC-8ED6578CECC0}" type="pres">
+      <dgm:prSet presAssocID="{2E149E73-6B9F-4FFD-B231-B43C2A1B24FB}" presName="compNode" presStyleCnt="0"/>
+      <dgm:spPr/>
+    </dgm:pt>
+    <dgm:pt modelId="{D8A42AB4-966E-4FCE-A0CF-91BD3E1B75C9}" type="pres">
+      <dgm:prSet presAssocID="{2E149E73-6B9F-4FFD-B231-B43C2A1B24FB}" presName="pictRect" presStyleLbl="node1" presStyleIdx="0" presStyleCnt="2" custScaleX="104825" custScaleY="145553" custLinFactNeighborX="-14036" custLinFactNeighborY="-1201"/>
+      <dgm:spPr/>
+    </dgm:pt>
+    <dgm:pt modelId="{1B98AA1E-28C3-4C86-ACC8-A5F7D4C8DBD0}" type="pres">
+      <dgm:prSet presAssocID="{2E149E73-6B9F-4FFD-B231-B43C2A1B24FB}" presName="textRect" presStyleLbl="revTx" presStyleIdx="0" presStyleCnt="2" custScaleX="80579" custScaleY="62900" custLinFactNeighborX="-5663" custLinFactNeighborY="23658">
+        <dgm:presLayoutVars>
+          <dgm:bulletEnabled val="1"/>
+        </dgm:presLayoutVars>
+      </dgm:prSet>
+      <dgm:spPr/>
+    </dgm:pt>
+    <dgm:pt modelId="{52AEA7A1-42AF-4CFB-A08C-9393AED4A5F7}" type="pres">
+      <dgm:prSet presAssocID="{ECAF15FD-8FA1-4288-BD99-FB6A36A6E1F0}" presName="sibTrans" presStyleLbl="sibTrans2D1" presStyleIdx="0" presStyleCnt="0"/>
+      <dgm:spPr/>
+    </dgm:pt>
+    <dgm:pt modelId="{16352F06-90E1-461B-9E37-146B70073DF5}" type="pres">
+      <dgm:prSet presAssocID="{C6FCF4EF-EB31-412E-9D31-9A0A843231DA}" presName="compNode" presStyleCnt="0"/>
+      <dgm:spPr/>
+    </dgm:pt>
+    <dgm:pt modelId="{9252D5CD-46E8-4362-9778-3784D1C769AC}" type="pres">
+      <dgm:prSet presAssocID="{C6FCF4EF-EB31-412E-9D31-9A0A843231DA}" presName="pictRect" presStyleLbl="node1" presStyleIdx="1" presStyleCnt="2" custScaleX="101328" custScaleY="142301" custLinFactNeighborX="-213" custLinFactNeighborY="1782"/>
+      <dgm:spPr/>
+    </dgm:pt>
+    <dgm:pt modelId="{EC8B0A14-0902-4EC1-8C6D-FAD2AE443CB7}" type="pres">
+      <dgm:prSet presAssocID="{C6FCF4EF-EB31-412E-9D31-9A0A843231DA}" presName="textRect" presStyleLbl="revTx" presStyleIdx="1" presStyleCnt="2" custScaleX="82455" custScaleY="63826" custLinFactNeighborX="8731" custLinFactNeighborY="2458">
+        <dgm:presLayoutVars>
+          <dgm:bulletEnabled val="1"/>
+        </dgm:presLayoutVars>
+      </dgm:prSet>
+      <dgm:spPr/>
+    </dgm:pt>
+  </dgm:ptLst>
+  <dgm:cxnLst>
+    <dgm:cxn modelId="{09B09C26-E187-4E2E-B2AC-E14E8E14EC6D}" type="presOf" srcId="{C6FCF4EF-EB31-412E-9D31-9A0A843231DA}" destId="{EC8B0A14-0902-4EC1-8C6D-FAD2AE443CB7}" srcOrd="0" destOrd="0" presId="urn:microsoft.com/office/officeart/2005/8/layout/pList1"/>
+    <dgm:cxn modelId="{8B180440-744D-4834-B957-C5B81E4A9087}" srcId="{E9BFA14D-B5EE-43E5-BE71-E67AAA8359BF}" destId="{2E149E73-6B9F-4FFD-B231-B43C2A1B24FB}" srcOrd="0" destOrd="0" parTransId="{197229DE-1860-4DD2-9833-261D889383BF}" sibTransId="{ECAF15FD-8FA1-4288-BD99-FB6A36A6E1F0}"/>
+    <dgm:cxn modelId="{047D6B71-3BA3-4373-BF7F-92BD50B5D633}" type="presOf" srcId="{ECAF15FD-8FA1-4288-BD99-FB6A36A6E1F0}" destId="{52AEA7A1-42AF-4CFB-A08C-9393AED4A5F7}" srcOrd="0" destOrd="0" presId="urn:microsoft.com/office/officeart/2005/8/layout/pList1"/>
+    <dgm:cxn modelId="{0DF8A177-DA53-4C17-8617-3578C1C0AB40}" srcId="{E9BFA14D-B5EE-43E5-BE71-E67AAA8359BF}" destId="{C6FCF4EF-EB31-412E-9D31-9A0A843231DA}" srcOrd="1" destOrd="0" parTransId="{F1C47A0B-F1B1-42C6-AD43-DE4BB3B4B7DA}" sibTransId="{5A10D68A-B40A-41C9-BDF4-1C6530388327}"/>
+    <dgm:cxn modelId="{A07C2AB6-6BBE-47AB-8856-DBED0DDB6DBC}" type="presOf" srcId="{2E149E73-6B9F-4FFD-B231-B43C2A1B24FB}" destId="{1B98AA1E-28C3-4C86-ACC8-A5F7D4C8DBD0}" srcOrd="0" destOrd="0" presId="urn:microsoft.com/office/officeart/2005/8/layout/pList1"/>
+    <dgm:cxn modelId="{E9581CFD-51AE-40DD-A664-2C18C2536349}" type="presOf" srcId="{E9BFA14D-B5EE-43E5-BE71-E67AAA8359BF}" destId="{E47DD231-497D-4AC2-9D49-2C36C895C22C}" srcOrd="0" destOrd="0" presId="urn:microsoft.com/office/officeart/2005/8/layout/pList1"/>
+    <dgm:cxn modelId="{809FF972-22DA-442A-9752-8CB2FA347795}" type="presParOf" srcId="{E47DD231-497D-4AC2-9D49-2C36C895C22C}" destId="{9FFF0D9E-11F0-4242-A2CC-8ED6578CECC0}" srcOrd="0" destOrd="0" presId="urn:microsoft.com/office/officeart/2005/8/layout/pList1"/>
+    <dgm:cxn modelId="{1CACEE49-EEAF-440A-8051-0E529C79305E}" type="presParOf" srcId="{9FFF0D9E-11F0-4242-A2CC-8ED6578CECC0}" destId="{D8A42AB4-966E-4FCE-A0CF-91BD3E1B75C9}" srcOrd="0" destOrd="0" presId="urn:microsoft.com/office/officeart/2005/8/layout/pList1"/>
+    <dgm:cxn modelId="{204B3E49-8F35-4553-AA87-9DC6F5BFCFAF}" type="presParOf" srcId="{9FFF0D9E-11F0-4242-A2CC-8ED6578CECC0}" destId="{1B98AA1E-28C3-4C86-ACC8-A5F7D4C8DBD0}" srcOrd="1" destOrd="0" presId="urn:microsoft.com/office/officeart/2005/8/layout/pList1"/>
+    <dgm:cxn modelId="{E7930B1A-F32A-4AEE-B8AC-FD1A223DE0DE}" type="presParOf" srcId="{E47DD231-497D-4AC2-9D49-2C36C895C22C}" destId="{52AEA7A1-42AF-4CFB-A08C-9393AED4A5F7}" srcOrd="1" destOrd="0" presId="urn:microsoft.com/office/officeart/2005/8/layout/pList1"/>
+    <dgm:cxn modelId="{B768C65E-813D-45D2-8FE9-D01C6966C19B}" type="presParOf" srcId="{E47DD231-497D-4AC2-9D49-2C36C895C22C}" destId="{16352F06-90E1-461B-9E37-146B70073DF5}" srcOrd="2" destOrd="0" presId="urn:microsoft.com/office/officeart/2005/8/layout/pList1"/>
+    <dgm:cxn modelId="{468B7E48-389E-4868-88CF-A61B493EE377}" type="presParOf" srcId="{16352F06-90E1-461B-9E37-146B70073DF5}" destId="{9252D5CD-46E8-4362-9778-3784D1C769AC}" srcOrd="0" destOrd="0" presId="urn:microsoft.com/office/officeart/2005/8/layout/pList1"/>
+    <dgm:cxn modelId="{CF8C412F-EE9B-41FE-B126-C3FB9AF1061F}" type="presParOf" srcId="{16352F06-90E1-461B-9E37-146B70073DF5}" destId="{EC8B0A14-0902-4EC1-8C6D-FAD2AE443CB7}" srcOrd="1" destOrd="0" presId="urn:microsoft.com/office/officeart/2005/8/layout/pList1"/>
+  </dgm:cxnLst>
+  <dgm:bg/>
+  <dgm:whole/>
+  <dgm:extLst>
+    <a:ext uri="http://schemas.microsoft.com/office/drawing/2008/diagram">
+      <dsp:dataModelExt xmlns:dsp="http://schemas.microsoft.com/office/drawing/2008/diagram" relId="rId6" minVer="http://schemas.openxmlformats.org/drawingml/2006/diagram"/>
+    </a:ext>
+  </dgm:extLst>
+</dgm:dataModel>
+</file>
+
+<file path=ppt/diagrams/drawing1.xml><?xml version="1.0" encoding="utf-8"?>
+<dsp:drawing xmlns:dgm="http://schemas.openxmlformats.org/drawingml/2006/diagram" xmlns:dsp="http://schemas.microsoft.com/office/drawing/2008/diagram" xmlns:a="http://schemas.openxmlformats.org/drawingml/2006/main">
+  <dsp:spTree>
+    <dsp:nvGrpSpPr>
+      <dsp:cNvPr id="0" name=""/>
+      <dsp:cNvGrpSpPr/>
+    </dsp:nvGrpSpPr>
+    <dsp:grpSpPr/>
+    <dsp:sp modelId="{D8A42AB4-966E-4FCE-A0CF-91BD3E1B75C9}">
+      <dsp:nvSpPr>
+        <dsp:cNvPr id="0" name=""/>
+        <dsp:cNvSpPr/>
+      </dsp:nvSpPr>
+      <dsp:spPr>
+        <a:xfrm>
+          <a:off x="0" y="0"/>
+          <a:ext cx="5366078" cy="5133723"/>
+        </a:xfrm>
+        <a:prstGeom prst="roundRect">
+          <a:avLst/>
+        </a:prstGeom>
+        <a:solidFill>
+          <a:schemeClr val="lt1">
+            <a:hueOff val="0"/>
+            <a:satOff val="0"/>
+            <a:lumOff val="0"/>
+            <a:alphaOff val="0"/>
+          </a:schemeClr>
+        </a:solidFill>
+        <a:ln w="15875" cap="flat" cmpd="sng" algn="ctr">
+          <a:solidFill>
+            <a:schemeClr val="accent2">
+              <a:shade val="80000"/>
+              <a:hueOff val="0"/>
+              <a:satOff val="0"/>
+              <a:lumOff val="0"/>
+              <a:alphaOff val="0"/>
+            </a:schemeClr>
+          </a:solidFill>
+          <a:prstDash val="solid"/>
+        </a:ln>
+        <a:effectLst/>
+      </dsp:spPr>
+      <dsp:style>
+        <a:lnRef idx="2">
+          <a:scrgbClr r="0" g="0" b="0"/>
+        </a:lnRef>
+        <a:fillRef idx="1">
+          <a:scrgbClr r="0" g="0" b="0"/>
+        </a:fillRef>
+        <a:effectRef idx="0">
+          <a:scrgbClr r="0" g="0" b="0"/>
+        </a:effectRef>
+        <a:fontRef idx="minor">
+          <a:schemeClr val="lt1"/>
+        </a:fontRef>
+      </dsp:style>
+    </dsp:sp>
+    <dsp:sp modelId="{1B98AA1E-28C3-4C86-ACC8-A5F7D4C8DBD0}">
+      <dsp:nvSpPr>
+        <dsp:cNvPr id="0" name=""/>
+        <dsp:cNvSpPr/>
+      </dsp:nvSpPr>
+      <dsp:spPr>
+        <a:xfrm>
+          <a:off x="430866" y="4684801"/>
+          <a:ext cx="4124905" cy="1194583"/>
+        </a:xfrm>
+        <a:prstGeom prst="rect">
+          <a:avLst/>
+        </a:prstGeom>
+        <a:solidFill>
+          <a:schemeClr val="accent2">
+            <a:lumMod val="20000"/>
+            <a:lumOff val="80000"/>
+          </a:schemeClr>
+        </a:solidFill>
+        <a:ln>
+          <a:noFill/>
+        </a:ln>
+        <a:effectLst/>
+      </dsp:spPr>
+      <dsp:style>
+        <a:lnRef idx="0">
+          <a:scrgbClr r="0" g="0" b="0"/>
+        </a:lnRef>
+        <a:fillRef idx="0">
+          <a:scrgbClr r="0" g="0" b="0"/>
+        </a:fillRef>
+        <a:effectRef idx="0">
+          <a:scrgbClr r="0" g="0" b="0"/>
+        </a:effectRef>
+        <a:fontRef idx="minor"/>
+      </dsp:style>
+      <dsp:txBody>
+        <a:bodyPr spcFirstLastPara="0" vert="horz" wrap="square" lIns="206248" tIns="206248" rIns="206248" bIns="0" numCol="1" spcCol="1270" anchor="t" anchorCtr="0">
+          <a:noAutofit/>
+        </a:bodyPr>
+        <a:lstStyle/>
+        <a:p>
+          <a:pPr marL="0" lvl="0" indent="0" algn="ctr" defTabSz="1289050">
+            <a:lnSpc>
+              <a:spcPct val="90000"/>
+            </a:lnSpc>
+            <a:spcBef>
+              <a:spcPct val="0"/>
+            </a:spcBef>
+            <a:spcAft>
+              <a:spcPct val="35000"/>
+            </a:spcAft>
+            <a:buFont typeface="Wingdings" panose="05000000000000000000" pitchFamily="2" charset="2"/>
+            <a:buNone/>
+          </a:pPr>
+          <a:r>
+            <a:rPr lang="es-ES" sz="2900" kern="1200" dirty="0">
+              <a:latin typeface="+mn-lt"/>
+              <a:ea typeface="Cambria" panose="02040503050406030204" pitchFamily="18" charset="0"/>
+            </a:rPr>
+            <a:t>Programación </a:t>
+          </a:r>
+        </a:p>
+        <a:p>
+          <a:pPr marL="0" lvl="0" indent="0" algn="ctr" defTabSz="1289050">
+            <a:lnSpc>
+              <a:spcPct val="90000"/>
+            </a:lnSpc>
+            <a:spcBef>
+              <a:spcPct val="0"/>
+            </a:spcBef>
+            <a:spcAft>
+              <a:spcPct val="35000"/>
+            </a:spcAft>
+            <a:buFont typeface="Wingdings" panose="05000000000000000000" pitchFamily="2" charset="2"/>
+            <a:buNone/>
+          </a:pPr>
+          <a:r>
+            <a:rPr lang="es-ES" sz="2900" kern="1200" dirty="0">
+              <a:latin typeface="+mn-lt"/>
+              <a:ea typeface="Cambria" panose="02040503050406030204" pitchFamily="18" charset="0"/>
+            </a:rPr>
+            <a:t>Hipermedia</a:t>
+          </a:r>
+          <a:endParaRPr lang="es-ES" sz="2900" kern="1200" dirty="0">
+            <a:latin typeface="+mn-lt"/>
+          </a:endParaRPr>
+        </a:p>
+      </dsp:txBody>
+      <dsp:txXfrm>
+        <a:off x="430866" y="4684801"/>
+        <a:ext cx="4124905" cy="1194583"/>
+      </dsp:txXfrm>
+    </dsp:sp>
+    <dsp:sp modelId="{9252D5CD-46E8-4362-9778-3784D1C769AC}">
+      <dsp:nvSpPr>
+        <dsp:cNvPr id="0" name=""/>
+        <dsp:cNvSpPr/>
+      </dsp:nvSpPr>
+      <dsp:spPr>
+        <a:xfrm>
+          <a:off x="5967471" y="88189"/>
+          <a:ext cx="5187063" cy="5019024"/>
+        </a:xfrm>
+        <a:prstGeom prst="roundRect">
+          <a:avLst/>
+        </a:prstGeom>
+        <a:solidFill>
+          <a:schemeClr val="lt1">
+            <a:hueOff val="0"/>
+            <a:satOff val="0"/>
+            <a:lumOff val="0"/>
+            <a:alphaOff val="0"/>
+          </a:schemeClr>
+        </a:solidFill>
+        <a:ln w="15875" cap="flat" cmpd="sng" algn="ctr">
+          <a:solidFill>
+            <a:schemeClr val="accent2">
+              <a:shade val="80000"/>
+              <a:hueOff val="0"/>
+              <a:satOff val="0"/>
+              <a:lumOff val="0"/>
+              <a:alphaOff val="0"/>
+            </a:schemeClr>
+          </a:solidFill>
+          <a:prstDash val="solid"/>
+        </a:ln>
+        <a:effectLst/>
+      </dsp:spPr>
+      <dsp:style>
+        <a:lnRef idx="2">
+          <a:scrgbClr r="0" g="0" b="0"/>
+        </a:lnRef>
+        <a:fillRef idx="1">
+          <a:scrgbClr r="0" g="0" b="0"/>
+        </a:fillRef>
+        <a:effectRef idx="0">
+          <a:scrgbClr r="0" g="0" b="0"/>
+        </a:effectRef>
+        <a:fontRef idx="minor">
+          <a:schemeClr val="lt1"/>
+        </a:fontRef>
+      </dsp:style>
+    </dsp:sp>
+    <dsp:sp modelId="{EC8B0A14-0902-4EC1-8C6D-FAD2AE443CB7}">
+      <dsp:nvSpPr>
+        <dsp:cNvPr id="0" name=""/>
+        <dsp:cNvSpPr/>
+      </dsp:nvSpPr>
+      <dsp:spPr>
+        <a:xfrm>
+          <a:off x="6908384" y="4667214"/>
+          <a:ext cx="4220939" cy="1212170"/>
+        </a:xfrm>
+        <a:prstGeom prst="rect">
+          <a:avLst/>
+        </a:prstGeom>
+        <a:solidFill>
+          <a:schemeClr val="accent2">
+            <a:lumMod val="20000"/>
+            <a:lumOff val="80000"/>
+          </a:schemeClr>
+        </a:solidFill>
+        <a:ln>
+          <a:noFill/>
+        </a:ln>
+        <a:effectLst/>
+      </dsp:spPr>
+      <dsp:style>
+        <a:lnRef idx="0">
+          <a:scrgbClr r="0" g="0" b="0"/>
+        </a:lnRef>
+        <a:fillRef idx="0">
+          <a:scrgbClr r="0" g="0" b="0"/>
+        </a:fillRef>
+        <a:effectRef idx="0">
+          <a:scrgbClr r="0" g="0" b="0"/>
+        </a:effectRef>
+        <a:fontRef idx="minor"/>
+      </dsp:style>
+      <dsp:txBody>
+        <a:bodyPr spcFirstLastPara="0" vert="horz" wrap="square" lIns="206248" tIns="206248" rIns="206248" bIns="0" numCol="1" spcCol="1270" anchor="t" anchorCtr="0">
+          <a:noAutofit/>
+        </a:bodyPr>
+        <a:lstStyle/>
+        <a:p>
+          <a:pPr marL="0" lvl="0" indent="0" algn="ctr" defTabSz="1289050">
+            <a:lnSpc>
+              <a:spcPct val="90000"/>
+            </a:lnSpc>
+            <a:spcBef>
+              <a:spcPct val="0"/>
+            </a:spcBef>
+            <a:spcAft>
+              <a:spcPct val="35000"/>
+            </a:spcAft>
+            <a:buFont typeface="Wingdings" panose="05000000000000000000" pitchFamily="2" charset="2"/>
+            <a:buNone/>
+          </a:pPr>
+          <a:r>
+            <a:rPr lang="es-ES" sz="2900" kern="1200" dirty="0">
+              <a:latin typeface="+mn-lt"/>
+              <a:ea typeface="Cambria" panose="02040503050406030204" pitchFamily="18" charset="0"/>
+            </a:rPr>
+            <a:t>Bases de Datos y Sistemas de Información</a:t>
+          </a:r>
+          <a:endParaRPr lang="es-ES" sz="2900" kern="1200" dirty="0">
+            <a:latin typeface="+mn-lt"/>
+          </a:endParaRPr>
+        </a:p>
+      </dsp:txBody>
+      <dsp:txXfrm>
+        <a:off x="6908384" y="4667214"/>
+        <a:ext cx="4220939" cy="1212170"/>
+      </dsp:txXfrm>
+    </dsp:sp>
+  </dsp:spTree>
+</dsp:drawing>
+</file>
+
+<file path=ppt/diagrams/layout1.xml><?xml version="1.0" encoding="utf-8"?>
+<dgm:layoutDef xmlns:dgm="http://schemas.openxmlformats.org/drawingml/2006/diagram" xmlns:a="http://schemas.openxmlformats.org/drawingml/2006/main" uniqueId="urn:microsoft.com/office/officeart/2005/8/layout/pList1">
+  <dgm:title val=""/>
+  <dgm:desc val=""/>
+  <dgm:catLst>
+    <dgm:cat type="list" pri="2000"/>
+    <dgm:cat type="picture" pri="2500"/>
+    <dgm:cat type="pictureconvert" pri="2500"/>
+  </dgm:catLst>
+  <dgm:sampData>
+    <dgm:dataModel>
+      <dgm:ptLst>
+        <dgm:pt modelId="0" type="doc"/>
+        <dgm:pt modelId="1">
+          <dgm:prSet phldr="1"/>
+        </dgm:pt>
+        <dgm:pt modelId="2">
+          <dgm:prSet phldr="1"/>
+        </dgm:pt>
+        <dgm:pt modelId="3">
+          <dgm:prSet phldr="1"/>
+        </dgm:pt>
+        <dgm:pt modelId="4">
+          <dgm:prSet phldr="1"/>
+        </dgm:pt>
+      </dgm:ptLst>
+      <dgm:cxnLst>
+        <dgm:cxn modelId="7" srcId="0" destId="1" srcOrd="0" destOrd="0"/>
+        <dgm:cxn modelId="8" srcId="0" destId="2" srcOrd="1" destOrd="0"/>
+        <dgm:cxn modelId="9" srcId="0" destId="3" srcOrd="2" destOrd="0"/>
+        <dgm:cxn modelId="10" srcId="0" destId="4" srcOrd="3" destOrd="0"/>
+      </dgm:cxnLst>
+      <dgm:bg/>
+      <dgm:whole/>
+    </dgm:dataModel>
+  </dgm:sampData>
+  <dgm:styleData>
+    <dgm:dataModel>
+      <dgm:ptLst>
+        <dgm:pt modelId="0" type="doc"/>
+        <dgm:pt modelId="1"/>
+        <dgm:pt modelId="2"/>
+      </dgm:ptLst>
+      <dgm:cxnLst>
+        <dgm:cxn modelId="3" srcId="0" destId="1" srcOrd="0" destOrd="0"/>
+        <dgm:cxn modelId="4" srcId="0" destId="2" srcOrd="1" destOrd="0"/>
+      </dgm:cxnLst>
+      <dgm:bg/>
+      <dgm:whole/>
+    </dgm:dataModel>
+  </dgm:styleData>
+  <dgm:clrData useDef="1">
+    <dgm:dataModel>
+      <dgm:ptLst/>
+      <dgm:bg/>
+      <dgm:whole/>
+    </dgm:dataModel>
+  </dgm:clrData>
+  <dgm:layoutNode name="Name0">
+    <dgm:varLst>
+      <dgm:dir/>
+      <dgm:resizeHandles val="exact"/>
+    </dgm:varLst>
+    <dgm:choose name="Name1">
+      <dgm:if name="Name2" axis="self" func="var" arg="dir" op="equ" val="norm">
+        <dgm:alg type="snake">
+          <dgm:param type="grDir" val="tL"/>
+          <dgm:param type="flowDir" val="row"/>
+          <dgm:param type="contDir" val="sameDir"/>
+          <dgm:param type="off" val="ctr"/>
+          <dgm:param type="vertAlign" val="mid"/>
+          <dgm:param type="horzAlign" val="ctr"/>
+        </dgm:alg>
+      </dgm:if>
+      <dgm:else name="Name3">
+        <dgm:alg type="snake">
+          <dgm:param type="grDir" val="tR"/>
+          <dgm:param type="flowDir" val="row"/>
+          <dgm:param type="contDir" val="sameDir"/>
+          <dgm:param type="off" val="ctr"/>
+          <dgm:param type="vertAlign" val="mid"/>
+          <dgm:param type="horzAlign" val="ctr"/>
+        </dgm:alg>
+      </dgm:else>
+    </dgm:choose>
+    <dgm:shape xmlns:r="http://schemas.openxmlformats.org/officeDocument/2006/relationships" r:blip="">
+      <dgm:adjLst/>
+    </dgm:shape>
+    <dgm:presOf/>
+    <dgm:constrLst>
+      <dgm:constr type="w" for="ch" forName="compNode" refType="w"/>
+      <dgm:constr type="w" for="ch" ptType="sibTrans" refType="w" refFor="ch" refForName="compNode" op="equ" fact="0.1"/>
+      <dgm:constr type="sp" refType="w" refFor="ch" refForName="compNode" op="equ" fact="0.1"/>
+      <dgm:constr type="primFontSz" for="des" ptType="node" op="equ" val="65"/>
+    </dgm:constrLst>
+    <dgm:ruleLst/>
+    <dgm:forEach name="Name4" axis="ch" ptType="node">
+      <dgm:layoutNode name="compNode">
+        <dgm:alg type="composite">
+          <dgm:param type="ar" val="0.943"/>
+        </dgm:alg>
+        <dgm:shape xmlns:r="http://schemas.openxmlformats.org/officeDocument/2006/relationships" r:blip="">
+          <dgm:adjLst/>
+        </dgm:shape>
+        <dgm:presOf axis="self"/>
+        <dgm:constrLst>
+          <dgm:constr type="h" refType="w" fact="1.06"/>
+          <dgm:constr type="h" for="ch" forName="pictRect" refType="h" fact="0.65"/>
+          <dgm:constr type="w" for="ch" forName="pictRect" refType="w"/>
+          <dgm:constr type="l" for="ch" forName="pictRect"/>
+          <dgm:constr type="t" for="ch" forName="pictRect"/>
+          <dgm:constr type="w" for="ch" forName="textRect" refType="w"/>
+          <dgm:constr type="h" for="ch" forName="textRect" refType="h" fact="0.35"/>
+          <dgm:constr type="l" for="ch" forName="textRect"/>
+          <dgm:constr type="t" for="ch" forName="textRect" refType="b" refFor="ch" refForName="pictRect"/>
+        </dgm:constrLst>
+        <dgm:ruleLst/>
+        <dgm:layoutNode name="pictRect">
+          <dgm:alg type="sp"/>
+          <dgm:shape xmlns:r="http://schemas.openxmlformats.org/officeDocument/2006/relationships" type="roundRect" r:blip="" blipPhldr="1">
+            <dgm:adjLst/>
+          </dgm:shape>
+          <dgm:presOf/>
+          <dgm:constrLst/>
+          <dgm:ruleLst/>
+        </dgm:layoutNode>
+        <dgm:layoutNode name="textRect" styleLbl="revTx">
+          <dgm:varLst>
+            <dgm:bulletEnabled val="1"/>
+          </dgm:varLst>
+          <dgm:alg type="tx">
+            <dgm:param type="txAnchorVert" val="t"/>
+          </dgm:alg>
+          <dgm:shape xmlns:r="http://schemas.openxmlformats.org/officeDocument/2006/relationships" type="rect" r:blip="">
+            <dgm:adjLst/>
+          </dgm:shape>
+          <dgm:presOf axis="desOrSelf" ptType="node"/>
+          <dgm:constrLst>
+            <dgm:constr type="bMarg"/>
+          </dgm:constrLst>
+          <dgm:ruleLst>
+            <dgm:rule type="primFontSz" val="5" fact="NaN" max="NaN"/>
+          </dgm:ruleLst>
+        </dgm:layoutNode>
+      </dgm:layoutNode>
+      <dgm:forEach name="Name5" axis="followSib" ptType="sibTrans" cnt="1">
+        <dgm:layoutNode name="sibTrans">
+          <dgm:alg type="sp"/>
+          <dgm:shape xmlns:r="http://schemas.openxmlformats.org/officeDocument/2006/relationships" type="rect" r:blip="" hideGeom="1">
+            <dgm:adjLst/>
+          </dgm:shape>
+          <dgm:presOf axis="self"/>
+          <dgm:constrLst/>
+          <dgm:ruleLst/>
+        </dgm:layoutNode>
+      </dgm:forEach>
+    </dgm:forEach>
+  </dgm:layoutNode>
+</dgm:layoutDef>
+</file>
+
+<file path=ppt/diagrams/quickStyle1.xml><?xml version="1.0" encoding="utf-8"?>
+<dgm:styleDef xmlns:dgm="http://schemas.openxmlformats.org/drawingml/2006/diagram" xmlns:a="http://schemas.openxmlformats.org/drawingml/2006/main" uniqueId="urn:microsoft.com/office/officeart/2005/8/quickstyle/simple1">
+  <dgm:title val=""/>
+  <dgm:desc val=""/>
+  <dgm:catLst>
+    <dgm:cat type="simple" pri="10100"/>
+  </dgm:catLst>
+  <dgm:scene3d>
+    <a:camera prst="orthographicFront"/>
+    <a:lightRig rig="threePt" dir="t"/>
+  </dgm:scene3d>
+  <dgm:styleLbl name="node0">
+    <dgm:scene3d>
+      <a:camera prst="orthographicFront"/>
+      <a:lightRig rig="threePt" dir="t"/>
+    </dgm:scene3d>
+    <dgm:sp3d/>
+    <dgm:txPr/>
+    <dgm:style>
+      <a:lnRef idx="2">
+        <a:scrgbClr r="0" g="0" b="0"/>
+      </a:lnRef>
+      <a:fillRef idx="1">
+        <a:scrgbClr r="0" g="0" b="0"/>
+      </a:fillRef>
+      <a:effectRef idx="0">
+        <a:scrgbClr r="0" g="0" b="0"/>
+      </a:effectRef>
+      <a:fontRef idx="minor">
+        <a:schemeClr val="lt1"/>
+      </a:fontRef>
+    </dgm:style>
+  </dgm:styleLbl>
+  <dgm:styleLbl name="lnNode1">
+    <dgm:scene3d>
+      <a:camera prst="orthographicFront"/>
+      <a:lightRig rig="threePt" dir="t"/>
+    </dgm:scene3d>
+    <dgm:sp3d/>
+    <dgm:txPr/>
+    <dgm:style>
+      <a:lnRef idx="2">
+        <a:scrgbClr r="0" g="0" b="0"/>
+      </a:lnRef>
+      <a:fillRef idx="1">
+        <a:scrgbClr r="0" g="0" b="0"/>
+      </a:fillRef>
+      <a:effectRef idx="0">
+        <a:scrgbClr r="0" g="0" b="0"/>
+      </a:effectRef>
+      <a:fontRef idx="minor">
+        <a:schemeClr val="lt1"/>
+      </a:fontRef>
+    </dgm:style>
+  </dgm:styleLbl>
+  <dgm:styleLbl name="vennNode1">
+    <dgm:scene3d>
+      <a:camera prst="orthographicFront"/>
+      <a:lightRig rig="threePt" dir="t"/>
+    </dgm:scene3d>
+    <dgm:sp3d/>
+    <dgm:txPr/>
+    <dgm:style>
+      <a:lnRef idx="2">
+        <a:scrgbClr r="0" g="0" b="0"/>
+      </a:lnRef>
+      <a:fillRef idx="1">
+        <a:scrgbClr r="0" g="0" b="0"/>
+      </a:fillRef>
+      <a:effectRef idx="0">
+        <a:scrgbClr r="0" g="0" b="0"/>
+      </a:effectRef>
+      <a:fontRef idx="minor">
+        <a:schemeClr val="tx1"/>
+      </a:fontRef>
+    </dgm:style>
+  </dgm:styleLbl>
+  <dgm:styleLbl name="alignNode1">
+    <dgm:scene3d>
+      <a:camera prst="orthographicFront"/>
+      <a:lightRig rig="threePt" dir="t"/>
+    </dgm:scene3d>
+    <dgm:sp3d/>
+    <dgm:txPr/>
+    <dgm:style>
+      <a:lnRef idx="2">
+        <a:scrgbClr r="0" g="0" b="0"/>
+      </a:lnRef>
+      <a:fillRef idx="1">
+        <a:scrgbClr r="0" g="0" b="0"/>
+      </a:fillRef>
+      <a:effectRef idx="0">
+        <a:scrgbClr r="0" g="0" b="0"/>
+      </a:effectRef>
+      <a:fontRef idx="minor">
+        <a:schemeClr val="lt1"/>
+      </a:fontRef>
+    </dgm:style>
+  </dgm:styleLbl>
+  <dgm:styleLbl name="node1">
+    <dgm:scene3d>
+      <a:camera prst="orthographicFront"/>
+      <a:lightRig rig="threePt" dir="t"/>
+    </dgm:scene3d>
+    <dgm:sp3d/>
+    <dgm:txPr/>
+    <dgm:style>
+      <a:lnRef idx="2">
+        <a:scrgbClr r="0" g="0" b="0"/>
+      </a:lnRef>
+      <a:fillRef idx="1">
+        <a:scrgbClr r="0" g="0" b="0"/>
+      </a:fillRef>
+      <a:effectRef idx="0">
+        <a:scrgbClr r="0" g="0" b="0"/>
+      </a:effectRef>
+      <a:fontRef idx="minor">
+        <a:schemeClr val="lt1"/>
+      </a:fontRef>
+    </dgm:style>
+  </dgm:styleLbl>
+  <dgm:styleLbl name="node2">
+    <dgm:scene3d>
+      <a:camera prst="orthographicFront"/>
+      <a:lightRig rig="threePt" dir="t"/>
+    </dgm:scene3d>
+    <dgm:sp3d/>
+    <dgm:txPr/>
+    <dgm:style>
+      <a:lnRef idx="2">
+        <a:scrgbClr r="0" g="0" b="0"/>
+      </a:lnRef>
+      <a:fillRef idx="1">
+        <a:scrgbClr r="0" g="0" b="0"/>
+      </a:fillRef>
+      <a:effectRef idx="0">
+        <a:scrgbClr r="0" g="0" b="0"/>
+      </a:effectRef>
+      <a:fontRef idx="minor">
+        <a:schemeClr val="lt1"/>
+      </a:fontRef>
+    </dgm:style>
+  </dgm:styleLbl>
+  <dgm:styleLbl name="node3">
+    <dgm:scene3d>
+      <a:camera prst="orthographicFront"/>
+      <a:lightRig rig="threePt" dir="t"/>
+    </dgm:scene3d>
+    <dgm:sp3d/>
+    <dgm:txPr/>
+    <dgm:style>
+      <a:lnRef idx="2">
+        <a:scrgbClr r="0" g="0" b="0"/>
+      </a:lnRef>
+      <a:fillRef idx="1">
+        <a:scrgbClr r="0" g="0" b="0"/>
+      </a:fillRef>
+      <a:effectRef idx="0">
+        <a:scrgbClr r="0" g="0" b="0"/>
+      </a:effectRef>
+      <a:fontRef idx="minor">
+        <a:schemeClr val="lt1"/>
+      </a:fontRef>
+    </dgm:style>
+  </dgm:styleLbl>
+  <dgm:styleLbl name="node4">
+    <dgm:scene3d>
+      <a:camera prst="orthographicFront"/>
+      <a:lightRig rig="threePt" dir="t"/>
+    </dgm:scene3d>
+    <dgm:sp3d/>
+    <dgm:txPr/>
+    <dgm:style>
+      <a:lnRef idx="2">
+        <a:scrgbClr r="0" g="0" b="0"/>
+      </a:lnRef>
+      <a:fillRef idx="1">
+        <a:scrgbClr r="0" g="0" b="0"/>
+      </a:fillRef>
+      <a:effectRef idx="0">
+        <a:scrgbClr r="0" g="0" b="0"/>
+      </a:effectRef>
+      <a:fontRef idx="minor">
+        <a:schemeClr val="lt1"/>
+      </a:fontRef>
+    </dgm:style>
+  </dgm:styleLbl>
+  <dgm:styleLbl name="fgImgPlace1">
+    <dgm:scene3d>
+      <a:camera prst="orthographicFront"/>
+      <a:lightRig rig="threePt" dir="t"/>
+    </dgm:scene3d>
+    <dgm:sp3d/>
+    <dgm:txPr/>
+    <dgm:style>
+      <a:lnRef idx="2">
+        <a:scrgbClr r="0" g="0" b="0"/>
+      </a:lnRef>
+      <a:fillRef idx="1">
+        <a:scrgbClr r="0" g="0" b="0"/>
+      </a:fillRef>
+      <a:effectRef idx="0">
+        <a:scrgbClr r="0" g="0" b="0"/>
+      </a:effectRef>
+      <a:fontRef idx="minor"/>
+    </dgm:style>
+  </dgm:styleLbl>
+  <dgm:styleLbl name="alignImgPlace1">
+    <dgm:scene3d>
+      <a:camera prst="orthographicFront"/>
+      <a:lightRig rig="threePt" dir="t"/>
+    </dgm:scene3d>
+    <dgm:sp3d/>
+    <dgm:txPr/>
+    <dgm:style>
+      <a:lnRef idx="2">
+        <a:scrgbClr r="0" g="0" b="0"/>
+      </a:lnRef>
+      <a:fillRef idx="1">
+        <a:scrgbClr r="0" g="0" b="0"/>
+      </a:fillRef>
+      <a:effectRef idx="0">
+        <a:scrgbClr r="0" g="0" b="0"/>
+      </a:effectRef>
+      <a:fontRef idx="minor"/>
+    </dgm:style>
+  </dgm:styleLbl>
+  <dgm:styleLbl name="bgImgPlace1">
+    <dgm:scene3d>
+      <a:camera prst="orthographicFront"/>
+      <a:lightRig rig="threePt" dir="t"/>
+    </dgm:scene3d>
+    <dgm:sp3d/>
+    <dgm:txPr/>
+    <dgm:style>
+      <a:lnRef idx="2">
+        <a:scrgbClr r="0" g="0" b="0"/>
+      </a:lnRef>
+      <a:fillRef idx="1">
+        <a:scrgbClr r="0" g="0" b="0"/>
+      </a:fillRef>
+      <a:effectRef idx="0">
+        <a:scrgbClr r="0" g="0" b="0"/>
+      </a:effectRef>
+      <a:fontRef idx="minor"/>
+    </dgm:style>
+  </dgm:styleLbl>
+  <dgm:styleLbl name="sibTrans2D1">
+    <dgm:scene3d>
+      <a:camera prst="orthographicFront"/>
+      <a:lightRig rig="threePt" dir="t"/>
+    </dgm:scene3d>
+    <dgm:sp3d/>
+    <dgm:txPr/>
+    <dgm:style>
+      <a:lnRef idx="0">
+        <a:scrgbClr r="0" g="0" b="0"/>
+      </a:lnRef>
+      <a:fillRef idx="1">
+        <a:scrgbClr r="0" g="0" b="0"/>
+      </a:fillRef>
+      <a:effectRef idx="0">
+        <a:scrgbClr r="0" g="0" b="0"/>
+      </a:effectRef>
+      <a:fontRef idx="minor">
+        <a:schemeClr val="lt1"/>
+      </a:fontRef>
+    </dgm:style>
+  </dgm:styleLbl>
+  <dgm:styleLbl name="fgSibTrans2D1">
+    <dgm:scene3d>
+      <a:camera prst="orthographicFront"/>
+      <a:lightRig rig="threePt" dir="t"/>
+    </dgm:scene3d>
+    <dgm:sp3d/>
+    <dgm:txPr/>
+    <dgm:style>
+      <a:lnRef idx="0">
+        <a:scrgbClr r="0" g="0" b="0"/>
+      </a:lnRef>
+      <a:fillRef idx="1">
+        <a:scrgbClr r="0" g="0" b="0"/>
+      </a:fillRef>
+      <a:effectRef idx="0">
+        <a:scrgbClr r="0" g="0" b="0"/>
+      </a:effectRef>
+      <a:fontRef idx="minor">
+        <a:schemeClr val="lt1"/>
+      </a:fontRef>
+    </dgm:style>
+  </dgm:styleLbl>
+  <dgm:styleLbl name="bgSibTrans2D1">
+    <dgm:scene3d>
+      <a:camera prst="orthographicFront"/>
+      <a:lightRig rig="threePt" dir="t"/>
+    </dgm:scene3d>
+    <dgm:sp3d/>
+    <dgm:txPr/>
+    <dgm:style>
+      <a:lnRef idx="0">
+        <a:scrgbClr r="0" g="0" b="0"/>
+      </a:lnRef>
+      <a:fillRef idx="1">
+        <a:scrgbClr r="0" g="0" b="0"/>
+      </a:fillRef>
+      <a:effectRef idx="0">
+        <a:scrgbClr r="0" g="0" b="0"/>
+      </a:effectRef>
+      <a:fontRef idx="minor">
+        <a:schemeClr val="lt1"/>
+      </a:fontRef>
+    </dgm:style>
+  </dgm:styleLbl>
+  <dgm:styleLbl name="sibTrans1D1">
+    <dgm:scene3d>
+      <a:camera prst="orthographicFront"/>
+      <a:lightRig rig="threePt" dir="t"/>
+    </dgm:scene3d>
+    <dgm:sp3d/>
+    <dgm:txPr/>
+    <dgm:style>
+      <a:lnRef idx="1">
+        <a:scrgbClr r="0" g="0" b="0"/>
+      </a:lnRef>
+      <a:fillRef idx="0">
+        <a:scrgbClr r="0" g="0" b="0"/>
+      </a:fillRef>
+      <a:effectRef idx="0">
+        <a:scrgbClr r="0" g="0" b="0"/>
+      </a:effectRef>
+      <a:fontRef idx="minor"/>
+    </dgm:style>
+  </dgm:styleLbl>
+  <dgm:styleLbl name="callout">
+    <dgm:scene3d>
+      <a:camera prst="orthographicFront"/>
+      <a:lightRig rig="threePt" dir="t"/>
+    </dgm:scene3d>
+    <dgm:sp3d/>
+    <dgm:txPr/>
+    <dgm:style>
+      <a:lnRef idx="2">
+        <a:scrgbClr r="0" g="0" b="0"/>
+      </a:lnRef>
+      <a:fillRef idx="1">
+        <a:scrgbClr r="0" g="0" b="0"/>
+      </a:fillRef>
+      <a:effectRef idx="0">
+        <a:scrgbClr r="0" g="0" b="0"/>
+      </a:effectRef>
+      <a:fontRef idx="minor"/>
+    </dgm:style>
+  </dgm:styleLbl>
+  <dgm:styleLbl name="asst0">
+    <dgm:scene3d>
+      <a:camera prst="orthographicFront"/>
+      <a:lightRig rig="threePt" dir="t"/>
+    </dgm:scene3d>
+    <dgm:sp3d/>
+    <dgm:txPr/>
+    <dgm:style>
+      <a:lnRef idx="2">
+        <a:scrgbClr r="0" g="0" b="0"/>
+      </a:lnRef>
+      <a:fillRef idx="1">
+        <a:scrgbClr r="0" g="0" b="0"/>
+      </a:fillRef>
+      <a:effectRef idx="0">
+        <a:scrgbClr r="0" g="0" b="0"/>
+      </a:effectRef>
+      <a:fontRef idx="minor">
+        <a:schemeClr val="lt1"/>
+      </a:fontRef>
+    </dgm:style>
+  </dgm:styleLbl>
+  <dgm:styleLbl name="asst1">
+    <dgm:scene3d>
+      <a:camera prst="orthographicFront"/>
+      <a:lightRig rig="threePt" dir="t"/>
+    </dgm:scene3d>
+    <dgm:sp3d/>
+    <dgm:txPr/>
+    <dgm:style>
+      <a:lnRef idx="2">
+        <a:scrgbClr r="0" g="0" b="0"/>
+      </a:lnRef>
+      <a:fillRef idx="1">
+        <a:scrgbClr r="0" g="0" b="0"/>
+      </a:fillRef>
+      <a:effectRef idx="0">
+        <a:scrgbClr r="0" g="0" b="0"/>
+      </a:effectRef>
+      <a:fontRef idx="minor">
+        <a:schemeClr val="lt1"/>
+      </a:fontRef>
+    </dgm:style>
+  </dgm:styleLbl>
+  <dgm:styleLbl name="asst2">
+    <dgm:scene3d>
+      <a:camera prst="orthographicFront"/>
+      <a:lightRig rig="threePt" dir="t"/>
+    </dgm:scene3d>
+    <dgm:sp3d/>
+    <dgm:txPr/>
+    <dgm:style>
+      <a:lnRef idx="2">
+        <a:scrgbClr r="0" g="0" b="0"/>
+      </a:lnRef>
+      <a:fillRef idx="1">
+        <a:scrgbClr r="0" g="0" b="0"/>
+      </a:fillRef>
+      <a:effectRef idx="0">
+        <a:scrgbClr r="0" g="0" b="0"/>
+      </a:effectRef>
+      <a:fontRef idx="minor">
+        <a:schemeClr val="lt1"/>
+      </a:fontRef>
+    </dgm:style>
+  </dgm:styleLbl>
+  <dgm:styleLbl name="asst3">
+    <dgm:scene3d>
+      <a:camera prst="orthographicFront"/>
+      <a:lightRig rig="threePt" dir="t"/>
+    </dgm:scene3d>
+    <dgm:sp3d/>
+    <dgm:txPr/>
+    <dgm:style>
+      <a:lnRef idx="2">
+        <a:scrgbClr r="0" g="0" b="0"/>
+      </a:lnRef>
+      <a:fillRef idx="1">
+        <a:scrgbClr r="0" g="0" b="0"/>
+      </a:fillRef>
+      <a:effectRef idx="0">
+        <a:scrgbClr r="0" g="0" b="0"/>
+      </a:effectRef>
+      <a:fontRef idx="minor">
+        <a:schemeClr val="lt1"/>
+      </a:fontRef>
+    </dgm:style>
+  </dgm:styleLbl>
+  <dgm:styleLbl name="asst4">
+    <dgm:scene3d>
+      <a:camera prst="orthographicFront"/>
+      <a:lightRig rig="threePt" dir="t"/>
+    </dgm:scene3d>
+    <dgm:sp3d/>
+    <dgm:txPr/>
+    <dgm:style>
+      <a:lnRef idx="2">
+        <a:scrgbClr r="0" g="0" b="0"/>
+      </a:lnRef>
+      <a:fillRef idx="1">
+        <a:scrgbClr r="0" g="0" b="0"/>
+      </a:fillRef>
+      <a:effectRef idx="0">
+        <a:scrgbClr r="0" g="0" b="0"/>
+      </a:effectRef>
+      <a:fontRef idx="minor">
+        <a:schemeClr val="lt1"/>
+      </a:fontRef>
+    </dgm:style>
+  </dgm:styleLbl>
+  <dgm:styleLbl name="parChTrans2D1">
+    <dgm:scene3d>
+      <a:camera prst="orthographicFront"/>
+      <a:lightRig rig="threePt" dir="t"/>
+    </dgm:scene3d>
+    <dgm:sp3d/>
+    <dgm:txPr/>
+    <dgm:style>
+      <a:lnRef idx="2">
+        <a:scrgbClr r="0" g="0" b="0"/>
+      </a:lnRef>
+      <a:fillRef idx="1">
+        <a:scrgbClr r="0" g="0" b="0"/>
+      </a:fillRef>
+      <a:effectRef idx="0">
+        <a:scrgbClr r="0" g="0" b="0"/>
+      </a:effectRef>
+      <a:fontRef idx="minor">
+        <a:schemeClr val="lt1"/>
+      </a:fontRef>
+    </dgm:style>
+  </dgm:styleLbl>
+  <dgm:styleLbl name="parChTrans2D2">
+    <dgm:scene3d>
+      <a:camera prst="orthographicFront"/>
+      <a:lightRig rig="threePt" dir="t"/>
+    </dgm:scene3d>
+    <dgm:sp3d/>
+    <dgm:txPr/>
+    <dgm:style>
+      <a:lnRef idx="2">
+        <a:scrgbClr r="0" g="0" b="0"/>
+      </a:lnRef>
+      <a:fillRef idx="1">
+        <a:scrgbClr r="0" g="0" b="0"/>
+      </a:fillRef>
+      <a:effectRef idx="0">
+        <a:scrgbClr r="0" g="0" b="0"/>
+      </a:effectRef>
+      <a:fontRef idx="minor">
+        <a:schemeClr val="lt1"/>
+      </a:fontRef>
+    </dgm:style>
+  </dgm:styleLbl>
+  <dgm:styleLbl name="parChTrans2D3">
+    <dgm:scene3d>
+      <a:camera prst="orthographicFront"/>
+      <a:lightRig rig="threePt" dir="t"/>
+    </dgm:scene3d>
+    <dgm:sp3d/>
+    <dgm:txPr/>
+    <dgm:style>
+      <a:lnRef idx="2">
+        <a:scrgbClr r="0" g="0" b="0"/>
+      </a:lnRef>
+      <a:fillRef idx="1">
+        <a:scrgbClr r="0" g="0" b="0"/>
+      </a:fillRef>
+      <a:effectRef idx="0">
+        <a:scrgbClr r="0" g="0" b="0"/>
+      </a:effectRef>
+      <a:fontRef idx="minor">
+        <a:schemeClr val="lt1"/>
+      </a:fontRef>
+    </dgm:style>
+  </dgm:styleLbl>
+  <dgm:styleLbl name="parChTrans2D4">
+    <dgm:scene3d>
+      <a:camera prst="orthographicFront"/>
+      <a:lightRig rig="threePt" dir="t"/>
+    </dgm:scene3d>
+    <dgm:sp3d/>
+    <dgm:txPr/>
+    <dgm:style>
+      <a:lnRef idx="2">
+        <a:scrgbClr r="0" g="0" b="0"/>
+      </a:lnRef>
+      <a:fillRef idx="1">
+        <a:scrgbClr r="0" g="0" b="0"/>
+      </a:fillRef>
+      <a:effectRef idx="0">
+        <a:scrgbClr r="0" g="0" b="0"/>
+      </a:effectRef>
+      <a:fontRef idx="minor">
+        <a:schemeClr val="lt1"/>
+      </a:fontRef>
+    </dgm:style>
+  </dgm:styleLbl>
+  <dgm:styleLbl name="parChTrans1D1">
+    <dgm:scene3d>
+      <a:camera prst="orthographicFront"/>
+      <a:lightRig rig="threePt" dir="t"/>
+    </dgm:scene3d>
+    <dgm:sp3d/>
+    <dgm:txPr/>
+    <dgm:style>
+      <a:lnRef idx="2">
+        <a:scrgbClr r="0" g="0" b="0"/>
+      </a:lnRef>
+      <a:fillRef idx="0">
+        <a:scrgbClr r="0" g="0" b="0"/>
+      </a:fillRef>
+      <a:effectRef idx="0">
+        <a:scrgbClr r="0" g="0" b="0"/>
+      </a:effectRef>
+      <a:fontRef idx="minor"/>
+    </dgm:style>
+  </dgm:styleLbl>
+  <dgm:styleLbl name="parChTrans1D2">
+    <dgm:scene3d>
+      <a:camera prst="orthographicFront"/>
+      <a:lightRig rig="threePt" dir="t"/>
+    </dgm:scene3d>
+    <dgm:sp3d/>
+    <dgm:txPr/>
+    <dgm:style>
+      <a:lnRef idx="2">
+        <a:scrgbClr r="0" g="0" b="0"/>
+      </a:lnRef>
+      <a:fillRef idx="0">
+        <a:scrgbClr r="0" g="0" b="0"/>
+      </a:fillRef>
+      <a:effectRef idx="0">
+        <a:scrgbClr r="0" g="0" b="0"/>
+      </a:effectRef>
+      <a:fontRef idx="minor"/>
+    </dgm:style>
+  </dgm:styleLbl>
+  <dgm:styleLbl name="parChTrans1D3">
+    <dgm:scene3d>
+      <a:camera prst="orthographicFront"/>
+      <a:lightRig rig="threePt" dir="t"/>
+    </dgm:scene3d>
+    <dgm:sp3d/>
+    <dgm:txPr/>
+    <dgm:style>
+      <a:lnRef idx="2">
+        <a:scrgbClr r="0" g="0" b="0"/>
+      </a:lnRef>
+      <a:fillRef idx="0">
+        <a:scrgbClr r="0" g="0" b="0"/>
+      </a:fillRef>
+      <a:effectRef idx="0">
+        <a:scrgbClr r="0" g="0" b="0"/>
+      </a:effectRef>
+      <a:fontRef idx="minor"/>
+    </dgm:style>
+  </dgm:styleLbl>
+  <dgm:styleLbl name="parChTrans1D4">
+    <dgm:scene3d>
+      <a:camera prst="orthographicFront"/>
+      <a:lightRig rig="threePt" dir="t"/>
+    </dgm:scene3d>
+    <dgm:sp3d/>
+    <dgm:txPr/>
+    <dgm:style>
+      <a:lnRef idx="2">
+        <a:scrgbClr r="0" g="0" b="0"/>
+      </a:lnRef>
+      <a:fillRef idx="0">
+        <a:scrgbClr r="0" g="0" b="0"/>
+      </a:fillRef>
+      <a:effectRef idx="0">
+        <a:scrgbClr r="0" g="0" b="0"/>
+      </a:effectRef>
+      <a:fontRef idx="minor"/>
+    </dgm:style>
+  </dgm:styleLbl>
+  <dgm:styleLbl name="fgAcc1">
+    <dgm:scene3d>
+      <a:camera prst="orthographicFront"/>
+      <a:lightRig rig="threePt" dir="t"/>
+    </dgm:scene3d>
+    <dgm:sp3d/>
+    <dgm:txPr/>
+    <dgm:style>
+      <a:lnRef idx="2">
+        <a:scrgbClr r="0" g="0" b="0"/>
+      </a:lnRef>
+      <a:fillRef idx="1">
+        <a:scrgbClr r="0" g="0" b="0"/>
+      </a:fillRef>
+      <a:effectRef idx="0">
+        <a:scrgbClr r="0" g="0" b="0"/>
+      </a:effectRef>
+      <a:fontRef idx="minor"/>
+    </dgm:style>
+  </dgm:styleLbl>
+  <dgm:styleLbl name="conFgAcc1">
+    <dgm:scene3d>
+      <a:camera prst="orthographicFront"/>
+      <a:lightRig rig="threePt" dir="t"/>
+    </dgm:scene3d>
+    <dgm:sp3d/>
+    <dgm:txPr/>
+    <dgm:style>
+      <a:lnRef idx="2">
+        <a:scrgbClr r="0" g="0" b="0"/>
+      </a:lnRef>
+      <a:fillRef idx="1">
+        <a:scrgbClr r="0" g="0" b="0"/>
+      </a:fillRef>
+      <a:effectRef idx="0">
+        <a:scrgbClr r="0" g="0" b="0"/>
+      </a:effectRef>
+      <a:fontRef idx="minor"/>
+    </dgm:style>
+  </dgm:styleLbl>
+  <dgm:styleLbl name="alignAcc1">
+    <dgm:scene3d>
+      <a:camera prst="orthographicFront"/>
+      <a:lightRig rig="threePt" dir="t"/>
+    </dgm:scene3d>
+    <dgm:sp3d/>
+    <dgm:txPr/>
+    <dgm:style>
+      <a:lnRef idx="2">
+        <a:scrgbClr r="0" g="0" b="0"/>
+      </a:lnRef>
+      <a:fillRef idx="1">
+        <a:scrgbClr r="0" g="0" b="0"/>
+      </a:fillRef>
+      <a:effectRef idx="0">
+        <a:scrgbClr r="0" g="0" b="0"/>
+      </a:effectRef>
+      <a:fontRef idx="minor"/>
+    </dgm:style>
+  </dgm:styleLbl>
+  <dgm:styleLbl name="trAlignAcc1">
+    <dgm:scene3d>
+      <a:camera prst="orthographicFront"/>
+      <a:lightRig rig="threePt" dir="t"/>
+    </dgm:scene3d>
+    <dgm:sp3d/>
+    <dgm:txPr/>
+    <dgm:style>
+      <a:lnRef idx="1">
+        <a:scrgbClr r="0" g="0" b="0"/>
+      </a:lnRef>
+      <a:fillRef idx="1">
+        <a:scrgbClr r="0" g="0" b="0"/>
+      </a:fillRef>
+      <a:effectRef idx="0">
+        <a:scrgbClr r="0" g="0" b="0"/>
+      </a:effectRef>
+      <a:fontRef idx="minor"/>
+    </dgm:style>
+  </dgm:styleLbl>
+  <dgm:styleLbl name="bgAcc1">
+    <dgm:scene3d>
+      <a:camera prst="orthographicFront"/>
+      <a:lightRig rig="threePt" dir="t"/>
+    </dgm:scene3d>
+    <dgm:sp3d/>
+    <dgm:txPr/>
+    <dgm:style>
+      <a:lnRef idx="2">
+        <a:scrgbClr r="0" g="0" b="0"/>
+      </a:lnRef>
+      <a:fillRef idx="1">
+        <a:scrgbClr r="0" g="0" b="0"/>
+      </a:fillRef>
+      <a:effectRef idx="0">
+        <a:scrgbClr r="0" g="0" b="0"/>
+      </a:effectRef>
+      <a:fontRef idx="minor"/>
+    </dgm:style>
+  </dgm:styleLbl>
+  <dgm:styleLbl name="solidFgAcc1">
+    <dgm:scene3d>
+      <a:camera prst="orthographicFront"/>
+      <a:lightRig rig="threePt" dir="t"/>
+    </dgm:scene3d>
+    <dgm:sp3d/>
+    <dgm:txPr/>
+    <dgm:style>
+      <a:lnRef idx="2">
+        <a:scrgbClr r="0" g="0" b="0"/>
+      </a:lnRef>
+      <a:fillRef idx="1">
+        <a:scrgbClr r="0" g="0" b="0"/>
+      </a:fillRef>
+      <a:effectRef idx="0">
+        <a:scrgbClr r="0" g="0" b="0"/>
+      </a:effectRef>
+      <a:fontRef idx="minor"/>
+    </dgm:style>
+  </dgm:styleLbl>
+  <dgm:styleLbl name="solidAlignAcc1">
+    <dgm:scene3d>
+      <a:camera prst="orthographicFront"/>
+      <a:lightRig rig="threePt" dir="t"/>
+    </dgm:scene3d>
+    <dgm:sp3d/>
+    <dgm:txPr/>
+    <dgm:style>
+      <a:lnRef idx="2">
+        <a:scrgbClr r="0" g="0" b="0"/>
+      </a:lnRef>
+      <a:fillRef idx="1">
+        <a:scrgbClr r="0" g="0" b="0"/>
+      </a:fillRef>
+      <a:effectRef idx="0">
+        <a:scrgbClr r="0" g="0" b="0"/>
+      </a:effectRef>
+      <a:fontRef idx="minor"/>
+    </dgm:style>
+  </dgm:styleLbl>
+  <dgm:styleLbl name="solidBgAcc1">
+    <dgm:scene3d>
+      <a:camera prst="orthographicFront"/>
+      <a:lightRig rig="threePt" dir="t"/>
+    </dgm:scene3d>
+    <dgm:sp3d/>
+    <dgm:txPr/>
+    <dgm:style>
+      <a:lnRef idx="2">
+        <a:scrgbClr r="0" g="0" b="0"/>
+      </a:lnRef>
+      <a:fillRef idx="1">
+        <a:scrgbClr r="0" g="0" b="0"/>
+      </a:fillRef>
+      <a:effectRef idx="0">
+        <a:scrgbClr r="0" g="0" b="0"/>
+      </a:effectRef>
+      <a:fontRef idx="minor"/>
+    </dgm:style>
+  </dgm:styleLbl>
+  <dgm:styleLbl name="fgAccFollowNode1">
+    <dgm:scene3d>
+      <a:camera prst="orthographicFront"/>
+      <a:lightRig rig="threePt" dir="t"/>
+    </dgm:scene3d>
+    <dgm:sp3d/>
+    <dgm:txPr/>
+    <dgm:style>
+      <a:lnRef idx="2">
+        <a:scrgbClr r="0" g="0" b="0"/>
+      </a:lnRef>
+      <a:fillRef idx="1">
+        <a:scrgbClr r="0" g="0" b="0"/>
+      </a:fillRef>
+      <a:effectRef idx="0">
+        <a:scrgbClr r="0" g="0" b="0"/>
+      </a:effectRef>
+      <a:fontRef idx="minor"/>
+    </dgm:style>
+  </dgm:styleLbl>
+  <dgm:styleLbl name="alignAccFollowNode1">
+    <dgm:scene3d>
+      <a:camera prst="orthographicFront"/>
+      <a:lightRig rig="threePt" dir="t"/>
+    </dgm:scene3d>
+    <dgm:sp3d/>
+    <dgm:txPr/>
+    <dgm:style>
+      <a:lnRef idx="2">
+        <a:scrgbClr r="0" g="0" b="0"/>
+      </a:lnRef>
+      <a:fillRef idx="1">
+        <a:scrgbClr r="0" g="0" b="0"/>
+      </a:fillRef>
+      <a:effectRef idx="0">
+        <a:scrgbClr r="0" g="0" b="0"/>
+      </a:effectRef>
+      <a:fontRef idx="minor"/>
+    </dgm:style>
+  </dgm:styleLbl>
+  <dgm:styleLbl name="bgAccFollowNode1">
+    <dgm:scene3d>
+      <a:camera prst="orthographicFront"/>
+      <a:lightRig rig="threePt" dir="t"/>
+    </dgm:scene3d>
+    <dgm:sp3d/>
+    <dgm:txPr/>
+    <dgm:style>
+      <a:lnRef idx="2">
+        <a:scrgbClr r="0" g="0" b="0"/>
+      </a:lnRef>
+      <a:fillRef idx="1">
+        <a:scrgbClr r="0" g="0" b="0"/>
+      </a:fillRef>
+      <a:effectRef idx="0">
+        <a:scrgbClr r="0" g="0" b="0"/>
+      </a:effectRef>
+      <a:fontRef idx="minor"/>
+    </dgm:style>
+  </dgm:styleLbl>
+  <dgm:styleLbl name="fgAcc0">
+    <dgm:scene3d>
+      <a:camera prst="orthographicFront"/>
+      <a:lightRig rig="threePt" dir="t"/>
+    </dgm:scene3d>
+    <dgm:sp3d/>
+    <dgm:txPr/>
+    <dgm:style>
+      <a:lnRef idx="2">
+        <a:scrgbClr r="0" g="0" b="0"/>
+      </a:lnRef>
+      <a:fillRef idx="1">
+        <a:scrgbClr r="0" g="0" b="0"/>
+      </a:fillRef>
+      <a:effectRef idx="0">
+        <a:scrgbClr r="0" g="0" b="0"/>
+      </a:effectRef>
+      <a:fontRef idx="minor"/>
+    </dgm:style>
+  </dgm:styleLbl>
+  <dgm:styleLbl name="fgAcc2">
+    <dgm:scene3d>
+      <a:camera prst="orthographicFront"/>
+      <a:lightRig rig="threePt" dir="t"/>
+    </dgm:scene3d>
+    <dgm:sp3d/>
+    <dgm:txPr/>
+    <dgm:style>
+      <a:lnRef idx="2">
+        <a:scrgbClr r="0" g="0" b="0"/>
+      </a:lnRef>
+      <a:fillRef idx="1">
+        <a:scrgbClr r="0" g="0" b="0"/>
+      </a:fillRef>
+      <a:effectRef idx="0">
+        <a:scrgbClr r="0" g="0" b="0"/>
+      </a:effectRef>
+      <a:fontRef idx="minor"/>
+    </dgm:style>
+  </dgm:styleLbl>
+  <dgm:styleLbl name="fgAcc3">
+    <dgm:scene3d>
+      <a:camera prst="orthographicFront"/>
+      <a:lightRig rig="threePt" dir="t"/>
+    </dgm:scene3d>
+    <dgm:sp3d/>
+    <dgm:txPr/>
+    <dgm:style>
+      <a:lnRef idx="2">
+        <a:scrgbClr r="0" g="0" b="0"/>
+      </a:lnRef>
+      <a:fillRef idx="1">
+        <a:scrgbClr r="0" g="0" b="0"/>
+      </a:fillRef>
+      <a:effectRef idx="0">
+        <a:scrgbClr r="0" g="0" b="0"/>
+      </a:effectRef>
+      <a:fontRef idx="minor"/>
+    </dgm:style>
+  </dgm:styleLbl>
+  <dgm:styleLbl name="fgAcc4">
+    <dgm:scene3d>
+      <a:camera prst="orthographicFront"/>
+      <a:lightRig rig="threePt" dir="t"/>
+    </dgm:scene3d>
+    <dgm:sp3d/>
+    <dgm:txPr/>
+    <dgm:style>
+      <a:lnRef idx="2">
+        <a:scrgbClr r="0" g="0" b="0"/>
+      </a:lnRef>
+      <a:fillRef idx="1">
+        <a:scrgbClr r="0" g="0" b="0"/>
+      </a:fillRef>
+      <a:effectRef idx="0">
+        <a:scrgbClr r="0" g="0" b="0"/>
+      </a:effectRef>
+      <a:fontRef idx="minor"/>
+    </dgm:style>
+  </dgm:styleLbl>
+  <dgm:styleLbl name="bgShp">
+    <dgm:scene3d>
+      <a:camera prst="orthographicFront"/>
+      <a:lightRig rig="threePt" dir="t"/>
+    </dgm:scene3d>
+    <dgm:sp3d/>
+    <dgm:txPr/>
+    <dgm:style>
+      <a:lnRef idx="0">
+        <a:scrgbClr r="0" g="0" b="0"/>
+      </a:lnRef>
+      <a:fillRef idx="1">
+        <a:scrgbClr r="0" g="0" b="0"/>
+      </a:fillRef>
+      <a:effectRef idx="0">
+        <a:scrgbClr r="0" g="0" b="0"/>
+      </a:effectRef>
+      <a:fontRef idx="minor"/>
+    </dgm:style>
+  </dgm:styleLbl>
+  <dgm:styleLbl name="dkBgShp">
+    <dgm:scene3d>
+      <a:camera prst="orthographicFront"/>
+      <a:lightRig rig="threePt" dir="t"/>
+    </dgm:scene3d>
+    <dgm:sp3d/>
+    <dgm:txPr/>
+    <dgm:style>
+      <a:lnRef idx="0">
+        <a:scrgbClr r="0" g="0" b="0"/>
+      </a:lnRef>
+      <a:fillRef idx="1">
+        <a:scrgbClr r="0" g="0" b="0"/>
+      </a:fillRef>
+      <a:effectRef idx="0">
+        <a:scrgbClr r="0" g="0" b="0"/>
+      </a:effectRef>
+      <a:fontRef idx="minor"/>
+    </dgm:style>
+  </dgm:styleLbl>
+  <dgm:styleLbl name="trBgShp">
+    <dgm:scene3d>
+      <a:camera prst="orthographicFront"/>
+      <a:lightRig rig="threePt" dir="t"/>
+    </dgm:scene3d>
+    <dgm:sp3d/>
+    <dgm:txPr/>
+    <dgm:style>
+      <a:lnRef idx="0">
+        <a:scrgbClr r="0" g="0" b="0"/>
+      </a:lnRef>
+      <a:fillRef idx="1">
+        <a:scrgbClr r="0" g="0" b="0"/>
+      </a:fillRef>
+      <a:effectRef idx="0">
+        <a:scrgbClr r="0" g="0" b="0"/>
+      </a:effectRef>
+      <a:fontRef idx="minor"/>
+    </dgm:style>
+  </dgm:styleLbl>
+  <dgm:styleLbl name="fgShp">
+    <dgm:scene3d>
+      <a:camera prst="orthographicFront"/>
+      <a:lightRig rig="threePt" dir="t"/>
+    </dgm:scene3d>
+    <dgm:sp3d/>
+    <dgm:txPr/>
+    <dgm:style>
+      <a:lnRef idx="2">
+        <a:scrgbClr r="0" g="0" b="0"/>
+      </a:lnRef>
+      <a:fillRef idx="1">
+        <a:scrgbClr r="0" g="0" b="0"/>
+      </a:fillRef>
+      <a:effectRef idx="0">
+        <a:scrgbClr r="0" g="0" b="0"/>
+      </a:effectRef>
+      <a:fontRef idx="minor"/>
+    </dgm:style>
+  </dgm:styleLbl>
+  <dgm:styleLbl name="revTx">
+    <dgm:scene3d>
+      <a:camera prst="orthographicFront"/>
+      <a:lightRig rig="threePt" dir="t"/>
+    </dgm:scene3d>
+    <dgm:sp3d/>
+    <dgm:txPr/>
+    <dgm:style>
+      <a:lnRef idx="0">
+        <a:scrgbClr r="0" g="0" b="0"/>
+      </a:lnRef>
+      <a:fillRef idx="0">
+        <a:scrgbClr r="0" g="0" b="0"/>
+      </a:fillRef>
+      <a:effectRef idx="0">
+        <a:scrgbClr r="0" g="0" b="0"/>
+      </a:effectRef>
+      <a:fontRef idx="minor"/>
+    </dgm:style>
+  </dgm:styleLbl>
+</dgm:styleDef>
+</file>
+
 <file path=ppt/slideLayouts/slideLayout1.xml><?xml version="1.0" encoding="utf-8"?>
 <p:sldLayout xmlns:a="http://schemas.openxmlformats.org/drawingml/2006/main" xmlns:r="http://schemas.openxmlformats.org/officeDocument/2006/relationships" xmlns:p="http://schemas.openxmlformats.org/presentationml/2006/main" showMasterSp="0" type="title" preserve="1">
   <p:cSld name="Title Slide">
@@ -407,7 +2892,7 @@
           <a:p>
             <a:fld id="{75018379-70F1-460C-81AA-FA79D9266587}" type="datetimeFigureOut">
               <a:rPr lang="es-ES" smtClean="0"/>
-              <a:t>26/03/2024</a:t>
+              <a:t>12/04/2024</a:t>
             </a:fld>
             <a:endParaRPr lang="es-ES"/>
           </a:p>
@@ -449,7 +2934,7 @@
           <a:p>
             <a:fld id="{9B4B023E-3354-4F5E-B6FB-0268EAD51E69}" type="slidenum">
               <a:rPr lang="es-ES" smtClean="0"/>
-              <a:t>‹#›</a:t>
+              <a:t>‹Nº›</a:t>
             </a:fld>
             <a:endParaRPr lang="es-ES"/>
           </a:p>
@@ -615,7 +3100,7 @@
           <a:p>
             <a:fld id="{75018379-70F1-460C-81AA-FA79D9266587}" type="datetimeFigureOut">
               <a:rPr lang="es-ES" smtClean="0"/>
-              <a:t>26/03/2024</a:t>
+              <a:t>12/04/2024</a:t>
             </a:fld>
             <a:endParaRPr lang="es-ES"/>
           </a:p>
@@ -657,7 +3142,7 @@
           <a:p>
             <a:fld id="{9B4B023E-3354-4F5E-B6FB-0268EAD51E69}" type="slidenum">
               <a:rPr lang="es-ES" smtClean="0"/>
-              <a:t>‹#›</a:t>
+              <a:t>‹Nº›</a:t>
             </a:fld>
             <a:endParaRPr lang="es-ES"/>
           </a:p>
@@ -871,7 +3356,7 @@
           <a:p>
             <a:fld id="{75018379-70F1-460C-81AA-FA79D9266587}" type="datetimeFigureOut">
               <a:rPr lang="es-ES" smtClean="0"/>
-              <a:t>26/03/2024</a:t>
+              <a:t>12/04/2024</a:t>
             </a:fld>
             <a:endParaRPr lang="es-ES"/>
           </a:p>
@@ -913,7 +3398,7 @@
           <a:p>
             <a:fld id="{9B4B023E-3354-4F5E-B6FB-0268EAD51E69}" type="slidenum">
               <a:rPr lang="es-ES" smtClean="0"/>
-              <a:t>‹#›</a:t>
+              <a:t>‹Nº›</a:t>
             </a:fld>
             <a:endParaRPr lang="es-ES"/>
           </a:p>
@@ -1045,7 +3530,7 @@
           <a:p>
             <a:fld id="{75018379-70F1-460C-81AA-FA79D9266587}" type="datetimeFigureOut">
               <a:rPr lang="es-ES" smtClean="0"/>
-              <a:t>26/03/2024</a:t>
+              <a:t>12/04/2024</a:t>
             </a:fld>
             <a:endParaRPr lang="es-ES"/>
           </a:p>
@@ -1087,7 +3572,7 @@
           <a:p>
             <a:fld id="{9B4B023E-3354-4F5E-B6FB-0268EAD51E69}" type="slidenum">
               <a:rPr lang="es-ES" smtClean="0"/>
-              <a:t>‹#›</a:t>
+              <a:t>‹Nº›</a:t>
             </a:fld>
             <a:endParaRPr lang="es-ES"/>
           </a:p>
@@ -1388,7 +3873,7 @@
           <a:p>
             <a:fld id="{75018379-70F1-460C-81AA-FA79D9266587}" type="datetimeFigureOut">
               <a:rPr lang="es-ES" smtClean="0"/>
-              <a:t>26/03/2024</a:t>
+              <a:t>12/04/2024</a:t>
             </a:fld>
             <a:endParaRPr lang="es-ES"/>
           </a:p>
@@ -1430,7 +3915,7 @@
           <a:p>
             <a:fld id="{9B4B023E-3354-4F5E-B6FB-0268EAD51E69}" type="slidenum">
               <a:rPr lang="es-ES" smtClean="0"/>
-              <a:t>‹#›</a:t>
+              <a:t>‹Nº›</a:t>
             </a:fld>
             <a:endParaRPr lang="es-ES"/>
           </a:p>
@@ -1663,7 +4148,7 @@
           <a:p>
             <a:fld id="{75018379-70F1-460C-81AA-FA79D9266587}" type="datetimeFigureOut">
               <a:rPr lang="es-ES" smtClean="0"/>
-              <a:t>26/03/2024</a:t>
+              <a:t>12/04/2024</a:t>
             </a:fld>
             <a:endParaRPr lang="es-ES"/>
           </a:p>
@@ -1705,7 +4190,7 @@
           <a:p>
             <a:fld id="{9B4B023E-3354-4F5E-B6FB-0268EAD51E69}" type="slidenum">
               <a:rPr lang="es-ES" smtClean="0"/>
-              <a:t>‹#›</a:t>
+              <a:t>‹Nº›</a:t>
             </a:fld>
             <a:endParaRPr lang="es-ES"/>
           </a:p>
@@ -2042,7 +4527,7 @@
           <a:p>
             <a:fld id="{75018379-70F1-460C-81AA-FA79D9266587}" type="datetimeFigureOut">
               <a:rPr lang="es-ES" smtClean="0"/>
-              <a:t>26/03/2024</a:t>
+              <a:t>12/04/2024</a:t>
             </a:fld>
             <a:endParaRPr lang="es-ES"/>
           </a:p>
@@ -2084,7 +4569,7 @@
           <a:p>
             <a:fld id="{9B4B023E-3354-4F5E-B6FB-0268EAD51E69}" type="slidenum">
               <a:rPr lang="es-ES" smtClean="0"/>
-              <a:t>‹#›</a:t>
+              <a:t>‹Nº›</a:t>
             </a:fld>
             <a:endParaRPr lang="es-ES"/>
           </a:p>
@@ -2160,7 +4645,7 @@
           <a:p>
             <a:fld id="{75018379-70F1-460C-81AA-FA79D9266587}" type="datetimeFigureOut">
               <a:rPr lang="es-ES" smtClean="0"/>
-              <a:t>26/03/2024</a:t>
+              <a:t>12/04/2024</a:t>
             </a:fld>
             <a:endParaRPr lang="es-ES"/>
           </a:p>
@@ -2202,7 +4687,7 @@
           <a:p>
             <a:fld id="{9B4B023E-3354-4F5E-B6FB-0268EAD51E69}" type="slidenum">
               <a:rPr lang="es-ES" smtClean="0"/>
-              <a:t>‹#›</a:t>
+              <a:t>‹Nº›</a:t>
             </a:fld>
             <a:endParaRPr lang="es-ES"/>
           </a:p>
@@ -2331,7 +4816,7 @@
           <a:p>
             <a:fld id="{75018379-70F1-460C-81AA-FA79D9266587}" type="datetimeFigureOut">
               <a:rPr lang="es-ES" smtClean="0"/>
-              <a:t>26/03/2024</a:t>
+              <a:t>12/04/2024</a:t>
             </a:fld>
             <a:endParaRPr lang="es-ES"/>
           </a:p>
@@ -2381,7 +4866,7 @@
           <a:p>
             <a:fld id="{9B4B023E-3354-4F5E-B6FB-0268EAD51E69}" type="slidenum">
               <a:rPr lang="es-ES" smtClean="0"/>
-              <a:t>‹#›</a:t>
+              <a:t>‹Nº›</a:t>
             </a:fld>
             <a:endParaRPr lang="es-ES"/>
           </a:p>
@@ -2685,7 +5170,7 @@
           <a:p>
             <a:fld id="{75018379-70F1-460C-81AA-FA79D9266587}" type="datetimeFigureOut">
               <a:rPr lang="es-ES" smtClean="0"/>
-              <a:t>26/03/2024</a:t>
+              <a:t>12/04/2024</a:t>
             </a:fld>
             <a:endParaRPr lang="es-ES"/>
           </a:p>
@@ -2748,7 +5233,7 @@
           <a:p>
             <a:fld id="{9B4B023E-3354-4F5E-B6FB-0268EAD51E69}" type="slidenum">
               <a:rPr lang="es-ES" smtClean="0"/>
-              <a:t>‹#›</a:t>
+              <a:t>‹Nº›</a:t>
             </a:fld>
             <a:endParaRPr lang="es-ES"/>
           </a:p>
@@ -3067,7 +5552,7 @@
           <a:p>
             <a:fld id="{75018379-70F1-460C-81AA-FA79D9266587}" type="datetimeFigureOut">
               <a:rPr lang="es-ES" smtClean="0"/>
-              <a:t>26/03/2024</a:t>
+              <a:t>12/04/2024</a:t>
             </a:fld>
             <a:endParaRPr lang="es-ES"/>
           </a:p>
@@ -3109,7 +5594,7 @@
           <a:p>
             <a:fld id="{9B4B023E-3354-4F5E-B6FB-0268EAD51E69}" type="slidenum">
               <a:rPr lang="es-ES" smtClean="0"/>
-              <a:t>‹#›</a:t>
+              <a:t>‹Nº›</a:t>
             </a:fld>
             <a:endParaRPr lang="es-ES"/>
           </a:p>
@@ -3354,7 +5839,7 @@
           <a:p>
             <a:fld id="{75018379-70F1-460C-81AA-FA79D9266587}" type="datetimeFigureOut">
               <a:rPr lang="es-ES" smtClean="0"/>
-              <a:t>26/03/2024</a:t>
+              <a:t>12/04/2024</a:t>
             </a:fld>
             <a:endParaRPr lang="es-ES"/>
           </a:p>
@@ -3428,7 +5913,7 @@
           <a:p>
             <a:fld id="{9B4B023E-3354-4F5E-B6FB-0268EAD51E69}" type="slidenum">
               <a:rPr lang="es-ES" smtClean="0"/>
-              <a:t>‹#›</a:t>
+              <a:t>‹Nº›</a:t>
             </a:fld>
             <a:endParaRPr lang="es-ES"/>
           </a:p>
@@ -8118,7 +10603,19 @@
           <a:p>
             <a:r>
               <a:rPr lang="es-ES" dirty="0"/>
-              <a:t>A rellenar</a:t>
+              <a:t>José Fabra Valverde</a:t>
+            </a:r>
+          </a:p>
+          <a:p>
+            <a:r>
+              <a:rPr lang="es-ES" dirty="0"/>
+              <a:t>Raúl Peña Ortiz</a:t>
+            </a:r>
+          </a:p>
+          <a:p>
+            <a:r>
+              <a:rPr lang="es-ES" dirty="0"/>
+              <a:t>Esther de Ves Cuenca</a:t>
             </a:r>
           </a:p>
         </p:txBody>
@@ -15807,7 +18304,7 @@
           <a:lstStyle/>
           <a:p>
             <a:r>
-              <a:rPr lang="en-US" sz="4600">
+              <a:rPr lang="en-US" sz="4600" dirty="0">
                 <a:solidFill>
                   <a:schemeClr val="tx1">
                     <a:lumMod val="85000"/>
@@ -15815,8 +18312,27 @@
                   </a:schemeClr>
                 </a:solidFill>
               </a:rPr>
-              <a:t>Libro recomendado</a:t>
-            </a:r>
+              <a:t>Libro </a:t>
+            </a:r>
+            <a:r>
+              <a:rPr lang="en-US" sz="4600" dirty="0" err="1">
+                <a:solidFill>
+                  <a:schemeClr val="tx1">
+                    <a:lumMod val="85000"/>
+                    <a:lumOff val="15000"/>
+                  </a:schemeClr>
+                </a:solidFill>
+              </a:rPr>
+              <a:t>recomendado</a:t>
+            </a:r>
+            <a:endParaRPr lang="en-US" sz="4600" dirty="0">
+              <a:solidFill>
+                <a:schemeClr val="tx1">
+                  <a:lumMod val="85000"/>
+                  <a:lumOff val="15000"/>
+                </a:schemeClr>
+              </a:solidFill>
+            </a:endParaRPr>
           </a:p>
         </p:txBody>
       </p:sp>
@@ -16312,6 +18828,312 @@
     <p:extLst>
       <p:ext uri="{BB962C8B-B14F-4D97-AF65-F5344CB8AC3E}">
         <p14:creationId xmlns:p14="http://schemas.microsoft.com/office/powerpoint/2010/main" val="1629278201"/>
+      </p:ext>
+    </p:extLst>
+  </p:cSld>
+  <p:clrMapOvr>
+    <a:masterClrMapping/>
+  </p:clrMapOvr>
+</p:sld>
+</file>
+
+<file path=ppt/slides/slide71.xml><?xml version="1.0" encoding="utf-8"?>
+<p:sld xmlns:a="http://schemas.openxmlformats.org/drawingml/2006/main" xmlns:r="http://schemas.openxmlformats.org/officeDocument/2006/relationships" xmlns:p="http://schemas.openxmlformats.org/presentationml/2006/main">
+  <p:cSld>
+    <p:spTree>
+      <p:nvGrpSpPr>
+        <p:cNvPr id="1" name=""/>
+        <p:cNvGrpSpPr/>
+        <p:nvPr/>
+      </p:nvGrpSpPr>
+      <p:grpSpPr>
+        <a:xfrm>
+          <a:off x="0" y="0"/>
+          <a:ext cx="0" cy="0"/>
+          <a:chOff x="0" y="0"/>
+          <a:chExt cx="0" cy="0"/>
+        </a:xfrm>
+      </p:grpSpPr>
+      <p:graphicFrame>
+        <p:nvGraphicFramePr>
+          <p:cNvPr id="8" name="Diagrama 7">
+            <a:extLst>
+              <a:ext uri="{FF2B5EF4-FFF2-40B4-BE49-F238E27FC236}">
+                <a16:creationId xmlns:a16="http://schemas.microsoft.com/office/drawing/2014/main" id="{D7B3086C-6CEA-2DE4-B754-CB9C2937D593}"/>
+              </a:ext>
+            </a:extLst>
+          </p:cNvPr>
+          <p:cNvGraphicFramePr/>
+          <p:nvPr>
+            <p:extLst>
+              <p:ext uri="{D42A27DB-BD31-4B8C-83A1-F6EECF244321}">
+                <p14:modId xmlns:p14="http://schemas.microsoft.com/office/powerpoint/2010/main" val="3916589488"/>
+              </p:ext>
+            </p:extLst>
+          </p:nvPr>
+        </p:nvGraphicFramePr>
+        <p:xfrm>
+          <a:off x="421240" y="893852"/>
+          <a:ext cx="11265613" cy="5879385"/>
+        </p:xfrm>
+        <a:graphic>
+          <a:graphicData uri="http://schemas.openxmlformats.org/drawingml/2006/diagram">
+            <dgm:relIds xmlns:dgm="http://schemas.openxmlformats.org/drawingml/2006/diagram" xmlns:r="http://schemas.openxmlformats.org/officeDocument/2006/relationships" r:dm="rId2" r:lo="rId3" r:qs="rId4" r:cs="rId5"/>
+          </a:graphicData>
+        </a:graphic>
+      </p:graphicFrame>
+      <p:sp>
+        <p:nvSpPr>
+          <p:cNvPr id="10" name="CuadroTexto 9">
+            <a:extLst>
+              <a:ext uri="{FF2B5EF4-FFF2-40B4-BE49-F238E27FC236}">
+                <a16:creationId xmlns:a16="http://schemas.microsoft.com/office/drawing/2014/main" id="{E4A23539-9A82-DB35-8506-05A8B8B42D3D}"/>
+              </a:ext>
+            </a:extLst>
+          </p:cNvPr>
+          <p:cNvSpPr txBox="1"/>
+          <p:nvPr/>
+        </p:nvSpPr>
+        <p:spPr>
+          <a:xfrm>
+            <a:off x="2487629" y="84763"/>
+            <a:ext cx="6660222" cy="1384995"/>
+          </a:xfrm>
+          <a:prstGeom prst="rect">
+            <a:avLst/>
+          </a:prstGeom>
+        </p:spPr>
+        <p:style>
+          <a:lnRef idx="1">
+            <a:schemeClr val="accent2"/>
+          </a:lnRef>
+          <a:fillRef idx="2">
+            <a:schemeClr val="accent2"/>
+          </a:fillRef>
+          <a:effectRef idx="1">
+            <a:schemeClr val="accent2"/>
+          </a:effectRef>
+          <a:fontRef idx="minor">
+            <a:schemeClr val="dk1"/>
+          </a:fontRef>
+        </p:style>
+        <p:txBody>
+          <a:bodyPr wrap="square">
+            <a:spAutoFit/>
+          </a:bodyPr>
+          <a:lstStyle/>
+          <a:p>
+            <a:pPr algn="ctr"/>
+            <a:r>
+              <a:rPr lang="es-ES" sz="2800" dirty="0">
+                <a:latin typeface="+mj-lt"/>
+                <a:ea typeface="Cambria" panose="02040503050406030204" pitchFamily="18" charset="0"/>
+                <a:cs typeface="Calibri" panose="020F0502020204030204" pitchFamily="34" charset="0"/>
+              </a:rPr>
+              <a:t>Registrar asistencia en aula virtual</a:t>
+            </a:r>
+          </a:p>
+          <a:p>
+            <a:pPr algn="ctr"/>
+            <a:r>
+              <a:rPr lang="es-ES" sz="2800" dirty="0">
+                <a:latin typeface="+mj-lt"/>
+                <a:ea typeface="Cambria" panose="02040503050406030204" pitchFamily="18" charset="0"/>
+                <a:cs typeface="Calibri" panose="020F0502020204030204" pitchFamily="34" charset="0"/>
+              </a:rPr>
+              <a:t>Taller  de “</a:t>
+            </a:r>
+            <a:r>
+              <a:rPr lang="es-ES" sz="2800" i="1" dirty="0">
+                <a:latin typeface="+mj-lt"/>
+                <a:ea typeface="Cambria" panose="02040503050406030204" pitchFamily="18" charset="0"/>
+                <a:cs typeface="Calibri" panose="020F0502020204030204" pitchFamily="34" charset="0"/>
+              </a:rPr>
+              <a:t>Web </a:t>
+            </a:r>
+            <a:r>
+              <a:rPr lang="es-ES" sz="2800" i="1" dirty="0" err="1">
+                <a:latin typeface="+mj-lt"/>
+                <a:ea typeface="Cambria" panose="02040503050406030204" pitchFamily="18" charset="0"/>
+                <a:cs typeface="Calibri" panose="020F0502020204030204" pitchFamily="34" charset="0"/>
+              </a:rPr>
+              <a:t>Scraping</a:t>
+            </a:r>
+            <a:r>
+              <a:rPr lang="es-ES" sz="2800" i="1" dirty="0">
+                <a:latin typeface="+mj-lt"/>
+                <a:ea typeface="Cambria" panose="02040503050406030204" pitchFamily="18" charset="0"/>
+                <a:cs typeface="Calibri" panose="020F0502020204030204" pitchFamily="34" charset="0"/>
+              </a:rPr>
+              <a:t> </a:t>
+            </a:r>
+            <a:r>
+              <a:rPr lang="es-ES" sz="2800" dirty="0">
+                <a:latin typeface="+mj-lt"/>
+                <a:ea typeface="Cambria" panose="02040503050406030204" pitchFamily="18" charset="0"/>
+                <a:cs typeface="Calibri" panose="020F0502020204030204" pitchFamily="34" charset="0"/>
+              </a:rPr>
+              <a:t>y  Bases de Datos Ofuscadas”</a:t>
+            </a:r>
+          </a:p>
+        </p:txBody>
+      </p:sp>
+      <p:pic>
+        <p:nvPicPr>
+          <p:cNvPr id="13" name="Imagen 12" descr="Forma&#10;&#10;Descripción generada automáticamente con confianza baja">
+            <a:extLst>
+              <a:ext uri="{FF2B5EF4-FFF2-40B4-BE49-F238E27FC236}">
+                <a16:creationId xmlns:a16="http://schemas.microsoft.com/office/drawing/2014/main" id="{1D52FA1E-97DA-1CA2-E957-3714A21FAF48}"/>
+              </a:ext>
+            </a:extLst>
+          </p:cNvPr>
+          <p:cNvPicPr>
+            <a:picLocks noChangeAspect="1"/>
+          </p:cNvPicPr>
+          <p:nvPr/>
+        </p:nvPicPr>
+        <p:blipFill>
+          <a:blip r:embed="rId7">
+            <a:extLst>
+              <a:ext uri="{28A0092B-C50C-407E-A947-70E740481C1C}">
+                <a14:useLocalDpi xmlns:a14="http://schemas.microsoft.com/office/drawing/2010/main" val="0"/>
+              </a:ext>
+            </a:extLst>
+          </a:blip>
+          <a:stretch>
+            <a:fillRect/>
+          </a:stretch>
+        </p:blipFill>
+        <p:spPr>
+          <a:xfrm>
+            <a:off x="7357152" y="1631107"/>
+            <a:ext cx="3435850" cy="3435850"/>
+          </a:xfrm>
+          <a:prstGeom prst="rect">
+            <a:avLst/>
+          </a:prstGeom>
+        </p:spPr>
+      </p:pic>
+      <p:pic>
+        <p:nvPicPr>
+          <p:cNvPr id="15" name="Imagen 14" descr="Forma&#10;&#10;Descripción generada automáticamente con confianza baja">
+            <a:extLst>
+              <a:ext uri="{FF2B5EF4-FFF2-40B4-BE49-F238E27FC236}">
+                <a16:creationId xmlns:a16="http://schemas.microsoft.com/office/drawing/2014/main" id="{2963BDDC-6CF5-4A8E-8CE7-C778134C8C0F}"/>
+              </a:ext>
+            </a:extLst>
+          </p:cNvPr>
+          <p:cNvPicPr>
+            <a:picLocks noChangeAspect="1"/>
+          </p:cNvPicPr>
+          <p:nvPr/>
+        </p:nvPicPr>
+        <p:blipFill>
+          <a:blip r:embed="rId8">
+            <a:extLst>
+              <a:ext uri="{28A0092B-C50C-407E-A947-70E740481C1C}">
+                <a14:useLocalDpi xmlns:a14="http://schemas.microsoft.com/office/drawing/2010/main" val="0"/>
+              </a:ext>
+            </a:extLst>
+          </a:blip>
+          <a:stretch>
+            <a:fillRect/>
+          </a:stretch>
+        </p:blipFill>
+        <p:spPr>
+          <a:xfrm>
+            <a:off x="1074678" y="1631107"/>
+            <a:ext cx="3595785" cy="3595785"/>
+          </a:xfrm>
+          <a:prstGeom prst="rect">
+            <a:avLst/>
+          </a:prstGeom>
+        </p:spPr>
+      </p:pic>
+      <p:pic>
+        <p:nvPicPr>
+          <p:cNvPr id="17" name="Gráfico 16" descr="Clave con relleno sólido">
+            <a:extLst>
+              <a:ext uri="{FF2B5EF4-FFF2-40B4-BE49-F238E27FC236}">
+                <a16:creationId xmlns:a16="http://schemas.microsoft.com/office/drawing/2014/main" id="{6954E1F7-54DB-9688-DFEF-B5B905C916B8}"/>
+              </a:ext>
+            </a:extLst>
+          </p:cNvPr>
+          <p:cNvPicPr>
+            <a:picLocks noChangeAspect="1"/>
+          </p:cNvPicPr>
+          <p:nvPr/>
+        </p:nvPicPr>
+        <p:blipFill>
+          <a:blip r:embed="rId9">
+            <a:extLst>
+              <a:ext uri="{28A0092B-C50C-407E-A947-70E740481C1C}">
+                <a14:useLocalDpi xmlns:a14="http://schemas.microsoft.com/office/drawing/2010/main" val="0"/>
+              </a:ext>
+              <a:ext uri="{96DAC541-7B7A-43D3-8B79-37D633B846F1}">
+                <asvg:svgBlip xmlns:asvg="http://schemas.microsoft.com/office/drawing/2016/SVG/main" r:embed="rId10"/>
+              </a:ext>
+            </a:extLst>
+          </a:blip>
+          <a:stretch>
+            <a:fillRect/>
+          </a:stretch>
+        </p:blipFill>
+        <p:spPr>
+          <a:xfrm>
+            <a:off x="5063447" y="5506948"/>
+            <a:ext cx="914400" cy="914400"/>
+          </a:xfrm>
+          <a:prstGeom prst="rect">
+            <a:avLst/>
+          </a:prstGeom>
+        </p:spPr>
+      </p:pic>
+      <p:sp>
+        <p:nvSpPr>
+          <p:cNvPr id="18" name="CuadroTexto 17">
+            <a:extLst>
+              <a:ext uri="{FF2B5EF4-FFF2-40B4-BE49-F238E27FC236}">
+                <a16:creationId xmlns:a16="http://schemas.microsoft.com/office/drawing/2014/main" id="{0D3D5E75-4017-F40E-92BC-C137129DF740}"/>
+              </a:ext>
+            </a:extLst>
+          </p:cNvPr>
+          <p:cNvSpPr txBox="1"/>
+          <p:nvPr/>
+        </p:nvSpPr>
+        <p:spPr>
+          <a:xfrm>
+            <a:off x="6087009" y="5702538"/>
+            <a:ext cx="1333073" cy="523220"/>
+          </a:xfrm>
+          <a:prstGeom prst="rect">
+            <a:avLst/>
+          </a:prstGeom>
+          <a:noFill/>
+        </p:spPr>
+        <p:txBody>
+          <a:bodyPr wrap="square" rtlCol="0">
+            <a:spAutoFit/>
+          </a:bodyPr>
+          <a:lstStyle/>
+          <a:p>
+            <a:r>
+              <a:rPr lang="es-ES" sz="2800" b="1" dirty="0">
+                <a:solidFill>
+                  <a:schemeClr val="accent2">
+                    <a:lumMod val="75000"/>
+                  </a:schemeClr>
+                </a:solidFill>
+              </a:rPr>
+              <a:t>P3P3</a:t>
+            </a:r>
+          </a:p>
+        </p:txBody>
+      </p:sp>
+    </p:spTree>
+    <p:extLst>
+      <p:ext uri="{BB962C8B-B14F-4D97-AF65-F5344CB8AC3E}">
+        <p14:creationId xmlns:p14="http://schemas.microsoft.com/office/powerpoint/2010/main" val="43709315"/>
       </p:ext>
     </p:extLst>
   </p:cSld>
